--- a/PSP/Tema3/UD3. PROGRAMACION DE COMUNICACIONES EN RED.pptx
+++ b/PSP/Tema3/UD3. PROGRAMACION DE COMUNICACIONES EN RED.pptx
@@ -18,6 +18,18 @@
     <p:sldId id="267" r:id="rId12"/>
     <p:sldId id="268" r:id="rId13"/>
     <p:sldId id="269" r:id="rId14"/>
+    <p:sldId id="270" r:id="rId15"/>
+    <p:sldId id="271" r:id="rId16"/>
+    <p:sldId id="272" r:id="rId17"/>
+    <p:sldId id="273" r:id="rId18"/>
+    <p:sldId id="274" r:id="rId19"/>
+    <p:sldId id="275" r:id="rId20"/>
+    <p:sldId id="277" r:id="rId21"/>
+    <p:sldId id="276" r:id="rId22"/>
+    <p:sldId id="278" r:id="rId23"/>
+    <p:sldId id="279" r:id="rId24"/>
+    <p:sldId id="280" r:id="rId25"/>
+    <p:sldId id="281" r:id="rId26"/>
   </p:sldIdLst>
   <p:sldSz cx="12192000" cy="6858000"/>
   <p:notesSz cx="6858000" cy="9144000"/>
@@ -116,6 +128,11 @@
       </a:defRPr>
     </a:lvl9pPr>
   </p:defaultTextStyle>
+  <p:extLst>
+    <p:ext uri="{EFAFB233-063F-42B5-8137-9DF3F51BA10A}">
+      <p15:sldGuideLst xmlns:p15="http://schemas.microsoft.com/office/powerpoint/2012/main"/>
+    </p:ext>
+  </p:extLst>
 </p:presentation>
 </file>
 
@@ -169,7 +186,7 @@
           <a:noFill/>
           <a:extLst>
             <a:ext uri="{909E8E84-426E-40dd-AFC4-6F175D3DCCD1}">
-              <a14:hiddenFill xmlns:a14="http://schemas.microsoft.com/office/drawing/2010/main" xmlns="">
+              <a14:hiddenFill xmlns="" xmlns:a14="http://schemas.microsoft.com/office/drawing/2010/main">
                 <a:solidFill>
                   <a:srgbClr val="FFFFFF"/>
                 </a:solidFill>
@@ -229,7 +246,7 @@
             </a:ln>
             <a:extLst>
               <a:ext uri="{91240B29-F687-4f45-9708-019B960494DF}">
-                <a14:hiddenLine xmlns:a14="http://schemas.microsoft.com/office/drawing/2010/main" xmlns="" w="9525">
+                <a14:hiddenLine xmlns="" xmlns:a14="http://schemas.microsoft.com/office/drawing/2010/main" w="9525">
                   <a:solidFill>
                     <a:srgbClr val="000000"/>
                   </a:solidFill>
@@ -319,7 +336,7 @@
             </a:ln>
             <a:extLst>
               <a:ext uri="{91240B29-F687-4f45-9708-019B960494DF}">
-                <a14:hiddenLine xmlns:a14="http://schemas.microsoft.com/office/drawing/2010/main" xmlns="" w="9525">
+                <a14:hiddenLine xmlns="" xmlns:a14="http://schemas.microsoft.com/office/drawing/2010/main" w="9525">
                   <a:solidFill>
                     <a:srgbClr val="000000"/>
                   </a:solidFill>
@@ -409,7 +426,7 @@
             </a:ln>
             <a:extLst>
               <a:ext uri="{91240B29-F687-4f45-9708-019B960494DF}">
-                <a14:hiddenLine xmlns:a14="http://schemas.microsoft.com/office/drawing/2010/main" xmlns="" w="9525">
+                <a14:hiddenLine xmlns="" xmlns:a14="http://schemas.microsoft.com/office/drawing/2010/main" w="9525">
                   <a:solidFill>
                     <a:srgbClr val="000000"/>
                   </a:solidFill>
@@ -443,7 +460,7 @@
             </a:ln>
             <a:extLst>
               <a:ext uri="{91240B29-F687-4f45-9708-019B960494DF}">
-                <a14:hiddenLine xmlns:a14="http://schemas.microsoft.com/office/drawing/2010/main" xmlns="" w="9525">
+                <a14:hiddenLine xmlns="" xmlns:a14="http://schemas.microsoft.com/office/drawing/2010/main" w="9525">
                   <a:solidFill>
                     <a:srgbClr val="000000"/>
                   </a:solidFill>
@@ -533,7 +550,7 @@
             </a:ln>
             <a:extLst>
               <a:ext uri="{91240B29-F687-4f45-9708-019B960494DF}">
-                <a14:hiddenLine xmlns:a14="http://schemas.microsoft.com/office/drawing/2010/main" xmlns="" w="9525">
+                <a14:hiddenLine xmlns="" xmlns:a14="http://schemas.microsoft.com/office/drawing/2010/main" w="9525">
                   <a:solidFill>
                     <a:srgbClr val="000000"/>
                   </a:solidFill>
@@ -595,7 +612,7 @@
             </a:ln>
             <a:extLst>
               <a:ext uri="{91240B29-F687-4f45-9708-019B960494DF}">
-                <a14:hiddenLine xmlns:a14="http://schemas.microsoft.com/office/drawing/2010/main" xmlns="" w="9525">
+                <a14:hiddenLine xmlns="" xmlns:a14="http://schemas.microsoft.com/office/drawing/2010/main" w="9525">
                   <a:solidFill>
                     <a:srgbClr val="000000"/>
                   </a:solidFill>
@@ -657,7 +674,7 @@
             </a:ln>
             <a:extLst>
               <a:ext uri="{91240B29-F687-4f45-9708-019B960494DF}">
-                <a14:hiddenLine xmlns:a14="http://schemas.microsoft.com/office/drawing/2010/main" xmlns="" w="9525">
+                <a14:hiddenLine xmlns="" xmlns:a14="http://schemas.microsoft.com/office/drawing/2010/main" w="9525">
                   <a:solidFill>
                     <a:srgbClr val="000000"/>
                   </a:solidFill>
@@ -747,7 +764,7 @@
             </a:ln>
             <a:extLst>
               <a:ext uri="{91240B29-F687-4f45-9708-019B960494DF}">
-                <a14:hiddenLine xmlns:a14="http://schemas.microsoft.com/office/drawing/2010/main" xmlns="" w="9525">
+                <a14:hiddenLine xmlns="" xmlns:a14="http://schemas.microsoft.com/office/drawing/2010/main" w="9525">
                   <a:solidFill>
                     <a:srgbClr val="000000"/>
                   </a:solidFill>
@@ -809,7 +826,7 @@
             </a:ln>
             <a:extLst>
               <a:ext uri="{91240B29-F687-4f45-9708-019B960494DF}">
-                <a14:hiddenLine xmlns:a14="http://schemas.microsoft.com/office/drawing/2010/main" xmlns="" w="9525">
+                <a14:hiddenLine xmlns="" xmlns:a14="http://schemas.microsoft.com/office/drawing/2010/main" w="9525">
                   <a:solidFill>
                     <a:srgbClr val="000000"/>
                   </a:solidFill>
@@ -871,7 +888,7 @@
             </a:ln>
             <a:extLst>
               <a:ext uri="{91240B29-F687-4f45-9708-019B960494DF}">
-                <a14:hiddenLine xmlns:a14="http://schemas.microsoft.com/office/drawing/2010/main" xmlns="" w="9525">
+                <a14:hiddenLine xmlns="" xmlns:a14="http://schemas.microsoft.com/office/drawing/2010/main" w="9525">
                   <a:solidFill>
                     <a:srgbClr val="000000"/>
                   </a:solidFill>
@@ -961,7 +978,7 @@
             </a:ln>
             <a:extLst>
               <a:ext uri="{91240B29-F687-4f45-9708-019B960494DF}">
-                <a14:hiddenLine xmlns:a14="http://schemas.microsoft.com/office/drawing/2010/main" xmlns="" w="9525">
+                <a14:hiddenLine xmlns="" xmlns:a14="http://schemas.microsoft.com/office/drawing/2010/main" w="9525">
                   <a:solidFill>
                     <a:srgbClr val="000000"/>
                   </a:solidFill>
@@ -1051,7 +1068,7 @@
             </a:ln>
             <a:extLst>
               <a:ext uri="{91240B29-F687-4f45-9708-019B960494DF}">
-                <a14:hiddenLine xmlns:a14="http://schemas.microsoft.com/office/drawing/2010/main" xmlns="" w="9525">
+                <a14:hiddenLine xmlns="" xmlns:a14="http://schemas.microsoft.com/office/drawing/2010/main" w="9525">
                   <a:solidFill>
                     <a:srgbClr val="000000"/>
                   </a:solidFill>
@@ -1113,7 +1130,7 @@
             </a:ln>
             <a:extLst>
               <a:ext uri="{91240B29-F687-4f45-9708-019B960494DF}">
-                <a14:hiddenLine xmlns:a14="http://schemas.microsoft.com/office/drawing/2010/main" xmlns="" w="9525">
+                <a14:hiddenLine xmlns="" xmlns:a14="http://schemas.microsoft.com/office/drawing/2010/main" w="9525">
                   <a:solidFill>
                     <a:srgbClr val="000000"/>
                   </a:solidFill>
@@ -1223,7 +1240,7 @@
             </a:ln>
             <a:extLst>
               <a:ext uri="{91240B29-F687-4f45-9708-019B960494DF}">
-                <a14:hiddenLine xmlns:a14="http://schemas.microsoft.com/office/drawing/2010/main" xmlns="" w="9525">
+                <a14:hiddenLine xmlns="" xmlns:a14="http://schemas.microsoft.com/office/drawing/2010/main" w="9525">
                   <a:solidFill>
                     <a:srgbClr val="000000"/>
                   </a:solidFill>
@@ -1285,7 +1302,7 @@
             </a:ln>
             <a:extLst>
               <a:ext uri="{91240B29-F687-4f45-9708-019B960494DF}">
-                <a14:hiddenLine xmlns:a14="http://schemas.microsoft.com/office/drawing/2010/main" xmlns="" w="9525">
+                <a14:hiddenLine xmlns="" xmlns:a14="http://schemas.microsoft.com/office/drawing/2010/main" w="9525">
                   <a:solidFill>
                     <a:srgbClr val="000000"/>
                   </a:solidFill>
@@ -1375,7 +1392,7 @@
             </a:ln>
             <a:extLst>
               <a:ext uri="{91240B29-F687-4f45-9708-019B960494DF}">
-                <a14:hiddenLine xmlns:a14="http://schemas.microsoft.com/office/drawing/2010/main" xmlns="" w="9525">
+                <a14:hiddenLine xmlns="" xmlns:a14="http://schemas.microsoft.com/office/drawing/2010/main" w="9525">
                   <a:solidFill>
                     <a:srgbClr val="000000"/>
                   </a:solidFill>
@@ -1465,7 +1482,7 @@
             </a:ln>
             <a:extLst>
               <a:ext uri="{91240B29-F687-4f45-9708-019B960494DF}">
-                <a14:hiddenLine xmlns:a14="http://schemas.microsoft.com/office/drawing/2010/main" xmlns="" w="9525">
+                <a14:hiddenLine xmlns="" xmlns:a14="http://schemas.microsoft.com/office/drawing/2010/main" w="9525">
                   <a:solidFill>
                     <a:srgbClr val="000000"/>
                   </a:solidFill>
@@ -1527,7 +1544,7 @@
             </a:ln>
             <a:extLst>
               <a:ext uri="{91240B29-F687-4f45-9708-019B960494DF}">
-                <a14:hiddenLine xmlns:a14="http://schemas.microsoft.com/office/drawing/2010/main" xmlns="" w="9525">
+                <a14:hiddenLine xmlns="" xmlns:a14="http://schemas.microsoft.com/office/drawing/2010/main" w="9525">
                   <a:solidFill>
                     <a:srgbClr val="000000"/>
                   </a:solidFill>
@@ -1617,7 +1634,7 @@
             </a:ln>
             <a:extLst>
               <a:ext uri="{91240B29-F687-4f45-9708-019B960494DF}">
-                <a14:hiddenLine xmlns:a14="http://schemas.microsoft.com/office/drawing/2010/main" xmlns="" w="9525">
+                <a14:hiddenLine xmlns="" xmlns:a14="http://schemas.microsoft.com/office/drawing/2010/main" w="9525">
                   <a:solidFill>
                     <a:srgbClr val="000000"/>
                   </a:solidFill>
@@ -1707,7 +1724,7 @@
             </a:ln>
             <a:extLst>
               <a:ext uri="{91240B29-F687-4f45-9708-019B960494DF}">
-                <a14:hiddenLine xmlns:a14="http://schemas.microsoft.com/office/drawing/2010/main" xmlns="" w="9525">
+                <a14:hiddenLine xmlns="" xmlns:a14="http://schemas.microsoft.com/office/drawing/2010/main" w="9525">
                   <a:solidFill>
                     <a:srgbClr val="000000"/>
                   </a:solidFill>
@@ -1763,7 +1780,7 @@
             </a:ln>
             <a:extLst>
               <a:ext uri="{91240B29-F687-4f45-9708-019B960494DF}">
-                <a14:hiddenLine xmlns:a14="http://schemas.microsoft.com/office/drawing/2010/main" xmlns="" w="9525">
+                <a14:hiddenLine xmlns="" xmlns:a14="http://schemas.microsoft.com/office/drawing/2010/main" w="9525">
                   <a:solidFill>
                     <a:srgbClr val="000000"/>
                   </a:solidFill>
@@ -1853,7 +1870,7 @@
             </a:ln>
             <a:extLst>
               <a:ext uri="{91240B29-F687-4f45-9708-019B960494DF}">
-                <a14:hiddenLine xmlns:a14="http://schemas.microsoft.com/office/drawing/2010/main" xmlns="" w="9525">
+                <a14:hiddenLine xmlns="" xmlns:a14="http://schemas.microsoft.com/office/drawing/2010/main" w="9525">
                   <a:solidFill>
                     <a:srgbClr val="000000"/>
                   </a:solidFill>
@@ -1909,7 +1926,7 @@
             </a:ln>
             <a:extLst>
               <a:ext uri="{91240B29-F687-4f45-9708-019B960494DF}">
-                <a14:hiddenLine xmlns:a14="http://schemas.microsoft.com/office/drawing/2010/main" xmlns="" w="9525">
+                <a14:hiddenLine xmlns="" xmlns:a14="http://schemas.microsoft.com/office/drawing/2010/main" w="9525">
                   <a:solidFill>
                     <a:srgbClr val="000000"/>
                   </a:solidFill>
@@ -1999,7 +2016,7 @@
             </a:ln>
             <a:extLst>
               <a:ext uri="{91240B29-F687-4f45-9708-019B960494DF}">
-                <a14:hiddenLine xmlns:a14="http://schemas.microsoft.com/office/drawing/2010/main" xmlns="" w="9525">
+                <a14:hiddenLine xmlns="" xmlns:a14="http://schemas.microsoft.com/office/drawing/2010/main" w="9525">
                   <a:solidFill>
                     <a:srgbClr val="000000"/>
                   </a:solidFill>
@@ -2067,7 +2084,7 @@
             </a:ln>
             <a:extLst>
               <a:ext uri="{91240B29-F687-4f45-9708-019B960494DF}">
-                <a14:hiddenLine xmlns:a14="http://schemas.microsoft.com/office/drawing/2010/main" xmlns="" w="9525">
+                <a14:hiddenLine xmlns="" xmlns:a14="http://schemas.microsoft.com/office/drawing/2010/main" w="9525">
                   <a:solidFill>
                     <a:srgbClr val="000000"/>
                   </a:solidFill>
@@ -2157,7 +2174,7 @@
             </a:ln>
             <a:extLst>
               <a:ext uri="{91240B29-F687-4f45-9708-019B960494DF}">
-                <a14:hiddenLine xmlns:a14="http://schemas.microsoft.com/office/drawing/2010/main" xmlns="" w="9525">
+                <a14:hiddenLine xmlns="" xmlns:a14="http://schemas.microsoft.com/office/drawing/2010/main" w="9525">
                   <a:solidFill>
                     <a:srgbClr val="000000"/>
                   </a:solidFill>
@@ -2225,7 +2242,7 @@
             </a:ln>
             <a:extLst>
               <a:ext uri="{91240B29-F687-4f45-9708-019B960494DF}">
-                <a14:hiddenLine xmlns:a14="http://schemas.microsoft.com/office/drawing/2010/main" xmlns="" w="9525">
+                <a14:hiddenLine xmlns="" xmlns:a14="http://schemas.microsoft.com/office/drawing/2010/main" w="9525">
                   <a:solidFill>
                     <a:srgbClr val="000000"/>
                   </a:solidFill>
@@ -2315,7 +2332,7 @@
             </a:ln>
             <a:extLst>
               <a:ext uri="{91240B29-F687-4f45-9708-019B960494DF}">
-                <a14:hiddenLine xmlns:a14="http://schemas.microsoft.com/office/drawing/2010/main" xmlns="" w="9525">
+                <a14:hiddenLine xmlns="" xmlns:a14="http://schemas.microsoft.com/office/drawing/2010/main" w="9525">
                   <a:solidFill>
                     <a:srgbClr val="000000"/>
                   </a:solidFill>
@@ -2349,7 +2366,7 @@
             </a:ln>
             <a:extLst>
               <a:ext uri="{91240B29-F687-4f45-9708-019B960494DF}">
-                <a14:hiddenLine xmlns:a14="http://schemas.microsoft.com/office/drawing/2010/main" xmlns="" w="9525">
+                <a14:hiddenLine xmlns="" xmlns:a14="http://schemas.microsoft.com/office/drawing/2010/main" w="9525">
                   <a:solidFill>
                     <a:srgbClr val="000000"/>
                   </a:solidFill>
@@ -2439,7 +2456,7 @@
             </a:ln>
             <a:extLst>
               <a:ext uri="{91240B29-F687-4f45-9708-019B960494DF}">
-                <a14:hiddenLine xmlns:a14="http://schemas.microsoft.com/office/drawing/2010/main" xmlns="" w="9525">
+                <a14:hiddenLine xmlns="" xmlns:a14="http://schemas.microsoft.com/office/drawing/2010/main" w="9525">
                   <a:solidFill>
                     <a:srgbClr val="000000"/>
                   </a:solidFill>
@@ -2501,7 +2518,7 @@
             </a:ln>
             <a:extLst>
               <a:ext uri="{91240B29-F687-4f45-9708-019B960494DF}">
-                <a14:hiddenLine xmlns:a14="http://schemas.microsoft.com/office/drawing/2010/main" xmlns="" w="9525">
+                <a14:hiddenLine xmlns="" xmlns:a14="http://schemas.microsoft.com/office/drawing/2010/main" w="9525">
                   <a:solidFill>
                     <a:srgbClr val="000000"/>
                   </a:solidFill>
@@ -2563,7 +2580,7 @@
             </a:ln>
             <a:extLst>
               <a:ext uri="{91240B29-F687-4f45-9708-019B960494DF}">
-                <a14:hiddenLine xmlns:a14="http://schemas.microsoft.com/office/drawing/2010/main" xmlns="" w="9525">
+                <a14:hiddenLine xmlns="" xmlns:a14="http://schemas.microsoft.com/office/drawing/2010/main" w="9525">
                   <a:solidFill>
                     <a:srgbClr val="000000"/>
                   </a:solidFill>
@@ -2653,7 +2670,7 @@
             </a:ln>
             <a:extLst>
               <a:ext uri="{91240B29-F687-4f45-9708-019B960494DF}">
-                <a14:hiddenLine xmlns:a14="http://schemas.microsoft.com/office/drawing/2010/main" xmlns="" w="9525">
+                <a14:hiddenLine xmlns="" xmlns:a14="http://schemas.microsoft.com/office/drawing/2010/main" w="9525">
                   <a:solidFill>
                     <a:srgbClr val="000000"/>
                   </a:solidFill>
@@ -2721,7 +2738,7 @@
             </a:ln>
             <a:extLst>
               <a:ext uri="{91240B29-F687-4f45-9708-019B960494DF}">
-                <a14:hiddenLine xmlns:a14="http://schemas.microsoft.com/office/drawing/2010/main" xmlns="" w="9525">
+                <a14:hiddenLine xmlns="" xmlns:a14="http://schemas.microsoft.com/office/drawing/2010/main" w="9525">
                   <a:solidFill>
                     <a:srgbClr val="000000"/>
                   </a:solidFill>
@@ -2783,7 +2800,7 @@
             </a:ln>
             <a:extLst>
               <a:ext uri="{91240B29-F687-4f45-9708-019B960494DF}">
-                <a14:hiddenLine xmlns:a14="http://schemas.microsoft.com/office/drawing/2010/main" xmlns="" w="9525">
+                <a14:hiddenLine xmlns="" xmlns:a14="http://schemas.microsoft.com/office/drawing/2010/main" w="9525">
                   <a:solidFill>
                     <a:srgbClr val="000000"/>
                   </a:solidFill>
@@ -2873,7 +2890,7 @@
             </a:ln>
             <a:extLst>
               <a:ext uri="{91240B29-F687-4f45-9708-019B960494DF}">
-                <a14:hiddenLine xmlns:a14="http://schemas.microsoft.com/office/drawing/2010/main" xmlns="" w="9525">
+                <a14:hiddenLine xmlns="" xmlns:a14="http://schemas.microsoft.com/office/drawing/2010/main" w="9525">
                   <a:solidFill>
                     <a:srgbClr val="000000"/>
                   </a:solidFill>
@@ -2935,7 +2952,7 @@
             </a:ln>
             <a:extLst>
               <a:ext uri="{91240B29-F687-4f45-9708-019B960494DF}">
-                <a14:hiddenLine xmlns:a14="http://schemas.microsoft.com/office/drawing/2010/main" xmlns="" w="9525">
+                <a14:hiddenLine xmlns="" xmlns:a14="http://schemas.microsoft.com/office/drawing/2010/main" w="9525">
                   <a:solidFill>
                     <a:srgbClr val="000000"/>
                   </a:solidFill>
@@ -3025,7 +3042,7 @@
             </a:ln>
             <a:extLst>
               <a:ext uri="{91240B29-F687-4f45-9708-019B960494DF}">
-                <a14:hiddenLine xmlns:a14="http://schemas.microsoft.com/office/drawing/2010/main" xmlns="" w="9525">
+                <a14:hiddenLine xmlns="" xmlns:a14="http://schemas.microsoft.com/office/drawing/2010/main" w="9525">
                   <a:solidFill>
                     <a:srgbClr val="000000"/>
                   </a:solidFill>
@@ -3087,7 +3104,7 @@
             </a:ln>
             <a:extLst>
               <a:ext uri="{91240B29-F687-4f45-9708-019B960494DF}">
-                <a14:hiddenLine xmlns:a14="http://schemas.microsoft.com/office/drawing/2010/main" xmlns="" w="9525">
+                <a14:hiddenLine xmlns="" xmlns:a14="http://schemas.microsoft.com/office/drawing/2010/main" w="9525">
                   <a:solidFill>
                     <a:srgbClr val="000000"/>
                   </a:solidFill>
@@ -3177,7 +3194,7 @@
             </a:ln>
             <a:extLst>
               <a:ext uri="{91240B29-F687-4f45-9708-019B960494DF}">
-                <a14:hiddenLine xmlns:a14="http://schemas.microsoft.com/office/drawing/2010/main" xmlns="" w="9525">
+                <a14:hiddenLine xmlns="" xmlns:a14="http://schemas.microsoft.com/office/drawing/2010/main" w="9525">
                   <a:solidFill>
                     <a:srgbClr val="000000"/>
                   </a:solidFill>
@@ -3211,7 +3228,7 @@
             </a:ln>
             <a:extLst>
               <a:ext uri="{91240B29-F687-4f45-9708-019B960494DF}">
-                <a14:hiddenLine xmlns:a14="http://schemas.microsoft.com/office/drawing/2010/main" xmlns="" w="9525">
+                <a14:hiddenLine xmlns="" xmlns:a14="http://schemas.microsoft.com/office/drawing/2010/main" w="9525">
                   <a:solidFill>
                     <a:srgbClr val="000000"/>
                   </a:solidFill>
@@ -3276,7 +3293,7 @@
             </a:ln>
             <a:extLst>
               <a:ext uri="{91240B29-F687-4f45-9708-019B960494DF}">
-                <a14:hiddenLine xmlns:a14="http://schemas.microsoft.com/office/drawing/2010/main" xmlns="" w="9525">
+                <a14:hiddenLine xmlns="" xmlns:a14="http://schemas.microsoft.com/office/drawing/2010/main" w="9525">
                   <a:solidFill>
                     <a:srgbClr val="000000"/>
                   </a:solidFill>
@@ -3366,7 +3383,7 @@
             </a:ln>
             <a:extLst>
               <a:ext uri="{91240B29-F687-4f45-9708-019B960494DF}">
-                <a14:hiddenLine xmlns:a14="http://schemas.microsoft.com/office/drawing/2010/main" xmlns="" w="9525">
+                <a14:hiddenLine xmlns="" xmlns:a14="http://schemas.microsoft.com/office/drawing/2010/main" w="9525">
                   <a:solidFill>
                     <a:srgbClr val="000000"/>
                   </a:solidFill>
@@ -3428,7 +3445,7 @@
             </a:ln>
             <a:extLst>
               <a:ext uri="{91240B29-F687-4f45-9708-019B960494DF}">
-                <a14:hiddenLine xmlns:a14="http://schemas.microsoft.com/office/drawing/2010/main" xmlns="" w="9525">
+                <a14:hiddenLine xmlns="" xmlns:a14="http://schemas.microsoft.com/office/drawing/2010/main" w="9525">
                   <a:solidFill>
                     <a:srgbClr val="000000"/>
                   </a:solidFill>
@@ -3518,7 +3535,7 @@
             </a:ln>
             <a:extLst>
               <a:ext uri="{91240B29-F687-4f45-9708-019B960494DF}">
-                <a14:hiddenLine xmlns:a14="http://schemas.microsoft.com/office/drawing/2010/main" xmlns="" w="9525">
+                <a14:hiddenLine xmlns="" xmlns:a14="http://schemas.microsoft.com/office/drawing/2010/main" w="9525">
                   <a:solidFill>
                     <a:srgbClr val="000000"/>
                   </a:solidFill>
@@ -3608,7 +3625,7 @@
             </a:ln>
             <a:extLst>
               <a:ext uri="{91240B29-F687-4f45-9708-019B960494DF}">
-                <a14:hiddenLine xmlns:a14="http://schemas.microsoft.com/office/drawing/2010/main" xmlns="" w="9525">
+                <a14:hiddenLine xmlns="" xmlns:a14="http://schemas.microsoft.com/office/drawing/2010/main" w="9525">
                   <a:solidFill>
                     <a:srgbClr val="000000"/>
                   </a:solidFill>
@@ -3673,7 +3690,7 @@
             </a:ln>
             <a:extLst>
               <a:ext uri="{91240B29-F687-4f45-9708-019B960494DF}">
-                <a14:hiddenLine xmlns:a14="http://schemas.microsoft.com/office/drawing/2010/main" xmlns="" w="9525">
+                <a14:hiddenLine xmlns="" xmlns:a14="http://schemas.microsoft.com/office/drawing/2010/main" w="9525">
                   <a:solidFill>
                     <a:srgbClr val="000000"/>
                   </a:solidFill>
@@ -3735,7 +3752,7 @@
             </a:ln>
             <a:extLst>
               <a:ext uri="{91240B29-F687-4f45-9708-019B960494DF}">
-                <a14:hiddenLine xmlns:a14="http://schemas.microsoft.com/office/drawing/2010/main" xmlns="" w="9525">
+                <a14:hiddenLine xmlns="" xmlns:a14="http://schemas.microsoft.com/office/drawing/2010/main" w="9525">
                   <a:solidFill>
                     <a:srgbClr val="000000"/>
                   </a:solidFill>
@@ -3825,7 +3842,7 @@
             </a:ln>
             <a:extLst>
               <a:ext uri="{91240B29-F687-4f45-9708-019B960494DF}">
-                <a14:hiddenLine xmlns:a14="http://schemas.microsoft.com/office/drawing/2010/main" xmlns="" w="9525">
+                <a14:hiddenLine xmlns="" xmlns:a14="http://schemas.microsoft.com/office/drawing/2010/main" w="9525">
                   <a:solidFill>
                     <a:srgbClr val="000000"/>
                   </a:solidFill>
@@ -3915,7 +3932,7 @@
             </a:ln>
             <a:extLst>
               <a:ext uri="{91240B29-F687-4f45-9708-019B960494DF}">
-                <a14:hiddenLine xmlns:a14="http://schemas.microsoft.com/office/drawing/2010/main" xmlns="" w="9525">
+                <a14:hiddenLine xmlns="" xmlns:a14="http://schemas.microsoft.com/office/drawing/2010/main" w="9525">
                   <a:solidFill>
                     <a:srgbClr val="000000"/>
                   </a:solidFill>
@@ -3977,7 +3994,7 @@
             </a:ln>
             <a:extLst>
               <a:ext uri="{91240B29-F687-4f45-9708-019B960494DF}">
-                <a14:hiddenLine xmlns:a14="http://schemas.microsoft.com/office/drawing/2010/main" xmlns="" w="9525">
+                <a14:hiddenLine xmlns="" xmlns:a14="http://schemas.microsoft.com/office/drawing/2010/main" w="9525">
                   <a:solidFill>
                     <a:srgbClr val="000000"/>
                   </a:solidFill>
@@ -4097,7 +4114,7 @@
             </a:ln>
             <a:extLst>
               <a:ext uri="{91240B29-F687-4f45-9708-019B960494DF}">
-                <a14:hiddenLine xmlns:a14="http://schemas.microsoft.com/office/drawing/2010/main" xmlns="" w="9525">
+                <a14:hiddenLine xmlns="" xmlns:a14="http://schemas.microsoft.com/office/drawing/2010/main" w="9525">
                   <a:solidFill>
                     <a:srgbClr val="000000"/>
                   </a:solidFill>
@@ -4165,7 +4182,7 @@
             </a:ln>
             <a:extLst>
               <a:ext uri="{91240B29-F687-4f45-9708-019B960494DF}">
-                <a14:hiddenLine xmlns:a14="http://schemas.microsoft.com/office/drawing/2010/main" xmlns="" w="9525">
+                <a14:hiddenLine xmlns="" xmlns:a14="http://schemas.microsoft.com/office/drawing/2010/main" w="9525">
                   <a:solidFill>
                     <a:srgbClr val="000000"/>
                   </a:solidFill>
@@ -4255,7 +4272,7 @@
             </a:ln>
             <a:extLst>
               <a:ext uri="{91240B29-F687-4f45-9708-019B960494DF}">
-                <a14:hiddenLine xmlns:a14="http://schemas.microsoft.com/office/drawing/2010/main" xmlns="" w="9525">
+                <a14:hiddenLine xmlns="" xmlns:a14="http://schemas.microsoft.com/office/drawing/2010/main" w="9525">
                   <a:solidFill>
                     <a:srgbClr val="000000"/>
                   </a:solidFill>
@@ -4395,7 +4412,7 @@
           <a:p>
             <a:fld id="{4D90061C-7E18-4B66-86C7-57903802F072}" type="datetimeFigureOut">
               <a:rPr lang="es-ES" smtClean="0"/>
-              <a:t>08/01/2024</a:t>
+              <a:t>15/01/2024</a:t>
             </a:fld>
             <a:endParaRPr lang="es-ES"/>
           </a:p>
@@ -4662,7 +4679,7 @@
           <a:p>
             <a:fld id="{4D90061C-7E18-4B66-86C7-57903802F072}" type="datetimeFigureOut">
               <a:rPr lang="es-ES" smtClean="0"/>
-              <a:t>08/01/2024</a:t>
+              <a:t>15/01/2024</a:t>
             </a:fld>
             <a:endParaRPr lang="es-ES"/>
           </a:p>
@@ -4858,7 +4875,7 @@
           <a:p>
             <a:fld id="{4D90061C-7E18-4B66-86C7-57903802F072}" type="datetimeFigureOut">
               <a:rPr lang="es-ES" smtClean="0"/>
-              <a:t>08/01/2024</a:t>
+              <a:t>15/01/2024</a:t>
             </a:fld>
             <a:endParaRPr lang="es-ES"/>
           </a:p>
@@ -5121,7 +5138,7 @@
           <a:p>
             <a:fld id="{4D90061C-7E18-4B66-86C7-57903802F072}" type="datetimeFigureOut">
               <a:rPr lang="es-ES" smtClean="0"/>
-              <a:t>08/01/2024</a:t>
+              <a:t>15/01/2024</a:t>
             </a:fld>
             <a:endParaRPr lang="es-ES"/>
           </a:p>
@@ -5555,7 +5572,7 @@
           <a:p>
             <a:fld id="{4D90061C-7E18-4B66-86C7-57903802F072}" type="datetimeFigureOut">
               <a:rPr lang="es-ES" smtClean="0"/>
-              <a:t>08/01/2024</a:t>
+              <a:t>15/01/2024</a:t>
             </a:fld>
             <a:endParaRPr lang="es-ES"/>
           </a:p>
@@ -6101,7 +6118,7 @@
           <a:p>
             <a:fld id="{4D90061C-7E18-4B66-86C7-57903802F072}" type="datetimeFigureOut">
               <a:rPr lang="es-ES" smtClean="0"/>
-              <a:t>08/01/2024</a:t>
+              <a:t>15/01/2024</a:t>
             </a:fld>
             <a:endParaRPr lang="es-ES"/>
           </a:p>
@@ -6821,7 +6838,7 @@
           <a:p>
             <a:fld id="{4D90061C-7E18-4B66-86C7-57903802F072}" type="datetimeFigureOut">
               <a:rPr lang="es-ES" smtClean="0"/>
-              <a:t>08/01/2024</a:t>
+              <a:t>15/01/2024</a:t>
             </a:fld>
             <a:endParaRPr lang="es-ES"/>
           </a:p>
@@ -6991,7 +7008,7 @@
           <a:p>
             <a:fld id="{4D90061C-7E18-4B66-86C7-57903802F072}" type="datetimeFigureOut">
               <a:rPr lang="es-ES" smtClean="0"/>
-              <a:t>08/01/2024</a:t>
+              <a:t>15/01/2024</a:t>
             </a:fld>
             <a:endParaRPr lang="es-ES"/>
           </a:p>
@@ -7171,7 +7188,7 @@
           <a:p>
             <a:fld id="{4D90061C-7E18-4B66-86C7-57903802F072}" type="datetimeFigureOut">
               <a:rPr lang="es-ES" smtClean="0"/>
-              <a:t>08/01/2024</a:t>
+              <a:t>15/01/2024</a:t>
             </a:fld>
             <a:endParaRPr lang="es-ES"/>
           </a:p>
@@ -7341,7 +7358,7 @@
           <a:p>
             <a:fld id="{4D90061C-7E18-4B66-86C7-57903802F072}" type="datetimeFigureOut">
               <a:rPr lang="es-ES" smtClean="0"/>
-              <a:t>08/01/2024</a:t>
+              <a:t>15/01/2024</a:t>
             </a:fld>
             <a:endParaRPr lang="es-ES"/>
           </a:p>
@@ -7591,7 +7608,7 @@
           <a:p>
             <a:fld id="{4D90061C-7E18-4B66-86C7-57903802F072}" type="datetimeFigureOut">
               <a:rPr lang="es-ES" smtClean="0"/>
-              <a:t>08/01/2024</a:t>
+              <a:t>15/01/2024</a:t>
             </a:fld>
             <a:endParaRPr lang="es-ES"/>
           </a:p>
@@ -7823,7 +7840,7 @@
           <a:p>
             <a:fld id="{4D90061C-7E18-4B66-86C7-57903802F072}" type="datetimeFigureOut">
               <a:rPr lang="es-ES" smtClean="0"/>
-              <a:t>08/01/2024</a:t>
+              <a:t>15/01/2024</a:t>
             </a:fld>
             <a:endParaRPr lang="es-ES"/>
           </a:p>
@@ -8204,7 +8221,7 @@
           <a:p>
             <a:fld id="{4D90061C-7E18-4B66-86C7-57903802F072}" type="datetimeFigureOut">
               <a:rPr lang="es-ES" smtClean="0"/>
-              <a:t>08/01/2024</a:t>
+              <a:t>15/01/2024</a:t>
             </a:fld>
             <a:endParaRPr lang="es-ES"/>
           </a:p>
@@ -8322,7 +8339,7 @@
           <a:p>
             <a:fld id="{4D90061C-7E18-4B66-86C7-57903802F072}" type="datetimeFigureOut">
               <a:rPr lang="es-ES" smtClean="0"/>
-              <a:t>08/01/2024</a:t>
+              <a:t>15/01/2024</a:t>
             </a:fld>
             <a:endParaRPr lang="es-ES"/>
           </a:p>
@@ -8417,7 +8434,7 @@
           <a:p>
             <a:fld id="{4D90061C-7E18-4B66-86C7-57903802F072}" type="datetimeFigureOut">
               <a:rPr lang="es-ES" smtClean="0"/>
-              <a:t>08/01/2024</a:t>
+              <a:t>15/01/2024</a:t>
             </a:fld>
             <a:endParaRPr lang="es-ES"/>
           </a:p>
@@ -8666,7 +8683,7 @@
           <a:p>
             <a:fld id="{4D90061C-7E18-4B66-86C7-57903802F072}" type="datetimeFigureOut">
               <a:rPr lang="es-ES" smtClean="0"/>
-              <a:t>08/01/2024</a:t>
+              <a:t>15/01/2024</a:t>
             </a:fld>
             <a:endParaRPr lang="es-ES"/>
           </a:p>
@@ -8946,7 +8963,7 @@
           <a:p>
             <a:fld id="{4D90061C-7E18-4B66-86C7-57903802F072}" type="datetimeFigureOut">
               <a:rPr lang="es-ES" smtClean="0"/>
-              <a:t>08/01/2024</a:t>
+              <a:t>15/01/2024</a:t>
             </a:fld>
             <a:endParaRPr lang="es-ES"/>
           </a:p>
@@ -9062,7 +9079,7 @@
           <a:noFill/>
           <a:extLst>
             <a:ext uri="{909E8E84-426E-40dd-AFC4-6F175D3DCCD1}">
-              <a14:hiddenFill xmlns:a14="http://schemas.microsoft.com/office/drawing/2010/main" xmlns="">
+              <a14:hiddenFill xmlns="" xmlns:a14="http://schemas.microsoft.com/office/drawing/2010/main">
                 <a:solidFill>
                   <a:srgbClr val="FFFFFF"/>
                 </a:solidFill>
@@ -9136,7 +9153,7 @@
               </a:ln>
               <a:extLst>
                 <a:ext uri="{91240B29-F687-4f45-9708-019B960494DF}">
-                  <a14:hiddenLine xmlns:a14="http://schemas.microsoft.com/office/drawing/2010/main" xmlns="" w="9525">
+                  <a14:hiddenLine xmlns="" xmlns:a14="http://schemas.microsoft.com/office/drawing/2010/main" w="9525">
                     <a:solidFill>
                       <a:srgbClr val="000000"/>
                     </a:solidFill>
@@ -9226,7 +9243,7 @@
               </a:ln>
               <a:extLst>
                 <a:ext uri="{91240B29-F687-4f45-9708-019B960494DF}">
-                  <a14:hiddenLine xmlns:a14="http://schemas.microsoft.com/office/drawing/2010/main" xmlns="" w="9525">
+                  <a14:hiddenLine xmlns="" xmlns:a14="http://schemas.microsoft.com/office/drawing/2010/main" w="9525">
                     <a:solidFill>
                       <a:srgbClr val="000000"/>
                     </a:solidFill>
@@ -9316,7 +9333,7 @@
               </a:ln>
               <a:extLst>
                 <a:ext uri="{91240B29-F687-4f45-9708-019B960494DF}">
-                  <a14:hiddenLine xmlns:a14="http://schemas.microsoft.com/office/drawing/2010/main" xmlns="" w="9525">
+                  <a14:hiddenLine xmlns="" xmlns:a14="http://schemas.microsoft.com/office/drawing/2010/main" w="9525">
                     <a:solidFill>
                       <a:srgbClr val="000000"/>
                     </a:solidFill>
@@ -9378,7 +9395,7 @@
               </a:ln>
               <a:extLst>
                 <a:ext uri="{91240B29-F687-4f45-9708-019B960494DF}">
-                  <a14:hiddenLine xmlns:a14="http://schemas.microsoft.com/office/drawing/2010/main" xmlns="" w="9525">
+                  <a14:hiddenLine xmlns="" xmlns:a14="http://schemas.microsoft.com/office/drawing/2010/main" w="9525">
                     <a:solidFill>
                       <a:srgbClr val="000000"/>
                     </a:solidFill>
@@ -9468,7 +9485,7 @@
               </a:ln>
               <a:extLst>
                 <a:ext uri="{91240B29-F687-4f45-9708-019B960494DF}">
-                  <a14:hiddenLine xmlns:a14="http://schemas.microsoft.com/office/drawing/2010/main" xmlns="" w="9525">
+                  <a14:hiddenLine xmlns="" xmlns:a14="http://schemas.microsoft.com/office/drawing/2010/main" w="9525">
                     <a:solidFill>
                       <a:srgbClr val="000000"/>
                     </a:solidFill>
@@ -9530,7 +9547,7 @@
               </a:ln>
               <a:extLst>
                 <a:ext uri="{91240B29-F687-4f45-9708-019B960494DF}">
-                  <a14:hiddenLine xmlns:a14="http://schemas.microsoft.com/office/drawing/2010/main" xmlns="" w="9525">
+                  <a14:hiddenLine xmlns="" xmlns:a14="http://schemas.microsoft.com/office/drawing/2010/main" w="9525">
                     <a:solidFill>
                       <a:srgbClr val="000000"/>
                     </a:solidFill>
@@ -9592,7 +9609,7 @@
               </a:ln>
               <a:extLst>
                 <a:ext uri="{91240B29-F687-4f45-9708-019B960494DF}">
-                  <a14:hiddenLine xmlns:a14="http://schemas.microsoft.com/office/drawing/2010/main" xmlns="" w="9525">
+                  <a14:hiddenLine xmlns="" xmlns:a14="http://schemas.microsoft.com/office/drawing/2010/main" w="9525">
                     <a:solidFill>
                       <a:srgbClr val="000000"/>
                     </a:solidFill>
@@ -9682,7 +9699,7 @@
               </a:ln>
               <a:extLst>
                 <a:ext uri="{91240B29-F687-4f45-9708-019B960494DF}">
-                  <a14:hiddenLine xmlns:a14="http://schemas.microsoft.com/office/drawing/2010/main" xmlns="" w="9525">
+                  <a14:hiddenLine xmlns="" xmlns:a14="http://schemas.microsoft.com/office/drawing/2010/main" w="9525">
                     <a:solidFill>
                       <a:srgbClr val="000000"/>
                     </a:solidFill>
@@ -9772,7 +9789,7 @@
               </a:ln>
               <a:extLst>
                 <a:ext uri="{91240B29-F687-4f45-9708-019B960494DF}">
-                  <a14:hiddenLine xmlns:a14="http://schemas.microsoft.com/office/drawing/2010/main" xmlns="" w="9525">
+                  <a14:hiddenLine xmlns="" xmlns:a14="http://schemas.microsoft.com/office/drawing/2010/main" w="9525">
                     <a:solidFill>
                       <a:srgbClr val="000000"/>
                     </a:solidFill>
@@ -9834,7 +9851,7 @@
               </a:ln>
               <a:extLst>
                 <a:ext uri="{91240B29-F687-4f45-9708-019B960494DF}">
-                  <a14:hiddenLine xmlns:a14="http://schemas.microsoft.com/office/drawing/2010/main" xmlns="" w="9525">
+                  <a14:hiddenLine xmlns="" xmlns:a14="http://schemas.microsoft.com/office/drawing/2010/main" w="9525">
                     <a:solidFill>
                       <a:srgbClr val="000000"/>
                     </a:solidFill>
@@ -9944,7 +9961,7 @@
               </a:ln>
               <a:extLst>
                 <a:ext uri="{91240B29-F687-4f45-9708-019B960494DF}">
-                  <a14:hiddenLine xmlns:a14="http://schemas.microsoft.com/office/drawing/2010/main" xmlns="" w="9525">
+                  <a14:hiddenLine xmlns="" xmlns:a14="http://schemas.microsoft.com/office/drawing/2010/main" w="9525">
                     <a:solidFill>
                       <a:srgbClr val="000000"/>
                     </a:solidFill>
@@ -10028,7 +10045,7 @@
               </a:ln>
               <a:extLst>
                 <a:ext uri="{91240B29-F687-4f45-9708-019B960494DF}">
-                  <a14:hiddenLine xmlns:a14="http://schemas.microsoft.com/office/drawing/2010/main" xmlns="" w="9525">
+                  <a14:hiddenLine xmlns="" xmlns:a14="http://schemas.microsoft.com/office/drawing/2010/main" w="9525">
                     <a:solidFill>
                       <a:srgbClr val="000000"/>
                     </a:solidFill>
@@ -10090,7 +10107,7 @@
               </a:ln>
               <a:extLst>
                 <a:ext uri="{91240B29-F687-4f45-9708-019B960494DF}">
-                  <a14:hiddenLine xmlns:a14="http://schemas.microsoft.com/office/drawing/2010/main" xmlns="" w="9525">
+                  <a14:hiddenLine xmlns="" xmlns:a14="http://schemas.microsoft.com/office/drawing/2010/main" w="9525">
                     <a:solidFill>
                       <a:srgbClr val="000000"/>
                     </a:solidFill>
@@ -10152,7 +10169,7 @@
               </a:ln>
               <a:extLst>
                 <a:ext uri="{91240B29-F687-4f45-9708-019B960494DF}">
-                  <a14:hiddenLine xmlns:a14="http://schemas.microsoft.com/office/drawing/2010/main" xmlns="" w="9525">
+                  <a14:hiddenLine xmlns="" xmlns:a14="http://schemas.microsoft.com/office/drawing/2010/main" w="9525">
                     <a:solidFill>
                       <a:srgbClr val="000000"/>
                     </a:solidFill>
@@ -10242,7 +10259,7 @@
               </a:ln>
               <a:extLst>
                 <a:ext uri="{91240B29-F687-4f45-9708-019B960494DF}">
-                  <a14:hiddenLine xmlns:a14="http://schemas.microsoft.com/office/drawing/2010/main" xmlns="" w="9525">
+                  <a14:hiddenLine xmlns="" xmlns:a14="http://schemas.microsoft.com/office/drawing/2010/main" w="9525">
                     <a:solidFill>
                       <a:srgbClr val="000000"/>
                     </a:solidFill>
@@ -10276,7 +10293,7 @@
               </a:ln>
               <a:extLst>
                 <a:ext uri="{91240B29-F687-4f45-9708-019B960494DF}">
-                  <a14:hiddenLine xmlns:a14="http://schemas.microsoft.com/office/drawing/2010/main" xmlns="" w="9525">
+                  <a14:hiddenLine xmlns="" xmlns:a14="http://schemas.microsoft.com/office/drawing/2010/main" w="9525">
                     <a:solidFill>
                       <a:srgbClr val="000000"/>
                     </a:solidFill>
@@ -10341,7 +10358,7 @@
               </a:ln>
               <a:extLst>
                 <a:ext uri="{91240B29-F687-4f45-9708-019B960494DF}">
-                  <a14:hiddenLine xmlns:a14="http://schemas.microsoft.com/office/drawing/2010/main" xmlns="" w="9525">
+                  <a14:hiddenLine xmlns="" xmlns:a14="http://schemas.microsoft.com/office/drawing/2010/main" w="9525">
                     <a:solidFill>
                       <a:srgbClr val="000000"/>
                     </a:solidFill>
@@ -10431,7 +10448,7 @@
               </a:ln>
               <a:extLst>
                 <a:ext uri="{91240B29-F687-4f45-9708-019B960494DF}">
-                  <a14:hiddenLine xmlns:a14="http://schemas.microsoft.com/office/drawing/2010/main" xmlns="" w="9525">
+                  <a14:hiddenLine xmlns="" xmlns:a14="http://schemas.microsoft.com/office/drawing/2010/main" w="9525">
                     <a:solidFill>
                       <a:srgbClr val="000000"/>
                     </a:solidFill>
@@ -10493,7 +10510,7 @@
               </a:ln>
               <a:extLst>
                 <a:ext uri="{91240B29-F687-4f45-9708-019B960494DF}">
-                  <a14:hiddenLine xmlns:a14="http://schemas.microsoft.com/office/drawing/2010/main" xmlns="" w="9525">
+                  <a14:hiddenLine xmlns="" xmlns:a14="http://schemas.microsoft.com/office/drawing/2010/main" w="9525">
                     <a:solidFill>
                       <a:srgbClr val="000000"/>
                     </a:solidFill>
@@ -10583,7 +10600,7 @@
               </a:ln>
               <a:extLst>
                 <a:ext uri="{91240B29-F687-4f45-9708-019B960494DF}">
-                  <a14:hiddenLine xmlns:a14="http://schemas.microsoft.com/office/drawing/2010/main" xmlns="" w="9525">
+                  <a14:hiddenLine xmlns="" xmlns:a14="http://schemas.microsoft.com/office/drawing/2010/main" w="9525">
                     <a:solidFill>
                       <a:srgbClr val="000000"/>
                     </a:solidFill>
@@ -10648,7 +10665,7 @@
               </a:ln>
               <a:extLst>
                 <a:ext uri="{91240B29-F687-4f45-9708-019B960494DF}">
-                  <a14:hiddenLine xmlns:a14="http://schemas.microsoft.com/office/drawing/2010/main" xmlns="" w="9525">
+                  <a14:hiddenLine xmlns="" xmlns:a14="http://schemas.microsoft.com/office/drawing/2010/main" w="9525">
                     <a:solidFill>
                       <a:srgbClr val="000000"/>
                     </a:solidFill>
@@ -10710,7 +10727,7 @@
               </a:ln>
               <a:extLst>
                 <a:ext uri="{91240B29-F687-4f45-9708-019B960494DF}">
-                  <a14:hiddenLine xmlns:a14="http://schemas.microsoft.com/office/drawing/2010/main" xmlns="" w="9525">
+                  <a14:hiddenLine xmlns="" xmlns:a14="http://schemas.microsoft.com/office/drawing/2010/main" w="9525">
                     <a:solidFill>
                       <a:srgbClr val="000000"/>
                     </a:solidFill>
@@ -10800,7 +10817,7 @@
               </a:ln>
               <a:extLst>
                 <a:ext uri="{91240B29-F687-4f45-9708-019B960494DF}">
-                  <a14:hiddenLine xmlns:a14="http://schemas.microsoft.com/office/drawing/2010/main" xmlns="" w="9525">
+                  <a14:hiddenLine xmlns="" xmlns:a14="http://schemas.microsoft.com/office/drawing/2010/main" w="9525">
                     <a:solidFill>
                       <a:srgbClr val="000000"/>
                     </a:solidFill>
@@ -10890,7 +10907,7 @@
               </a:ln>
               <a:extLst>
                 <a:ext uri="{91240B29-F687-4f45-9708-019B960494DF}">
-                  <a14:hiddenLine xmlns:a14="http://schemas.microsoft.com/office/drawing/2010/main" xmlns="" w="9525">
+                  <a14:hiddenLine xmlns="" xmlns:a14="http://schemas.microsoft.com/office/drawing/2010/main" w="9525">
                     <a:solidFill>
                       <a:srgbClr val="000000"/>
                     </a:solidFill>
@@ -10955,7 +10972,7 @@
               </a:ln>
               <a:extLst>
                 <a:ext uri="{91240B29-F687-4f45-9708-019B960494DF}">
-                  <a14:hiddenLine xmlns:a14="http://schemas.microsoft.com/office/drawing/2010/main" xmlns="" w="9525">
+                  <a14:hiddenLine xmlns="" xmlns:a14="http://schemas.microsoft.com/office/drawing/2010/main" w="9525">
                     <a:solidFill>
                       <a:srgbClr val="000000"/>
                     </a:solidFill>
@@ -11075,7 +11092,7 @@
               </a:ln>
               <a:extLst>
                 <a:ext uri="{91240B29-F687-4f45-9708-019B960494DF}">
-                  <a14:hiddenLine xmlns:a14="http://schemas.microsoft.com/office/drawing/2010/main" xmlns="" w="9525">
+                  <a14:hiddenLine xmlns="" xmlns:a14="http://schemas.microsoft.com/office/drawing/2010/main" w="9525">
                     <a:solidFill>
                       <a:srgbClr val="000000"/>
                     </a:solidFill>
@@ -11173,7 +11190,7 @@
               </a:ln>
               <a:extLst>
                 <a:ext uri="{91240B29-F687-4f45-9708-019B960494DF}">
-                  <a14:hiddenLine xmlns:a14="http://schemas.microsoft.com/office/drawing/2010/main" xmlns="" w="9525">
+                  <a14:hiddenLine xmlns="" xmlns:a14="http://schemas.microsoft.com/office/drawing/2010/main" w="9525">
                     <a:solidFill>
                       <a:srgbClr val="000000"/>
                     </a:solidFill>
@@ -11288,7 +11305,7 @@
               </a:ln>
               <a:extLst>
                 <a:ext uri="{91240B29-F687-4f45-9708-019B960494DF}">
-                  <a14:hiddenLine xmlns:a14="http://schemas.microsoft.com/office/drawing/2010/main" xmlns="" w="9525">
+                  <a14:hiddenLine xmlns="" xmlns:a14="http://schemas.microsoft.com/office/drawing/2010/main" w="9525">
                     <a:solidFill>
                       <a:srgbClr val="000000"/>
                     </a:solidFill>
@@ -11378,7 +11395,7 @@
               </a:ln>
               <a:extLst>
                 <a:ext uri="{91240B29-F687-4f45-9708-019B960494DF}">
-                  <a14:hiddenLine xmlns:a14="http://schemas.microsoft.com/office/drawing/2010/main" xmlns="" w="9525">
+                  <a14:hiddenLine xmlns="" xmlns:a14="http://schemas.microsoft.com/office/drawing/2010/main" w="9525">
                     <a:solidFill>
                       <a:srgbClr val="000000"/>
                     </a:solidFill>
@@ -11443,7 +11460,7 @@
               </a:ln>
               <a:extLst>
                 <a:ext uri="{91240B29-F687-4f45-9708-019B960494DF}">
-                  <a14:hiddenLine xmlns:a14="http://schemas.microsoft.com/office/drawing/2010/main" xmlns="" w="9525">
+                  <a14:hiddenLine xmlns="" xmlns:a14="http://schemas.microsoft.com/office/drawing/2010/main" w="9525">
                     <a:solidFill>
                       <a:srgbClr val="000000"/>
                     </a:solidFill>
@@ -11533,7 +11550,7 @@
               </a:ln>
               <a:extLst>
                 <a:ext uri="{91240B29-F687-4f45-9708-019B960494DF}">
-                  <a14:hiddenLine xmlns:a14="http://schemas.microsoft.com/office/drawing/2010/main" xmlns="" w="9525">
+                  <a14:hiddenLine xmlns="" xmlns:a14="http://schemas.microsoft.com/office/drawing/2010/main" w="9525">
                     <a:solidFill>
                       <a:srgbClr val="000000"/>
                     </a:solidFill>
@@ -11601,7 +11618,7 @@
               </a:ln>
               <a:extLst>
                 <a:ext uri="{91240B29-F687-4f45-9708-019B960494DF}">
-                  <a14:hiddenLine xmlns:a14="http://schemas.microsoft.com/office/drawing/2010/main" xmlns="" w="9525">
+                  <a14:hiddenLine xmlns="" xmlns:a14="http://schemas.microsoft.com/office/drawing/2010/main" w="9525">
                     <a:solidFill>
                       <a:srgbClr val="000000"/>
                     </a:solidFill>
@@ -11691,7 +11708,7 @@
               </a:ln>
               <a:extLst>
                 <a:ext uri="{91240B29-F687-4f45-9708-019B960494DF}">
-                  <a14:hiddenLine xmlns:a14="http://schemas.microsoft.com/office/drawing/2010/main" xmlns="" w="9525">
+                  <a14:hiddenLine xmlns="" xmlns:a14="http://schemas.microsoft.com/office/drawing/2010/main" w="9525">
                     <a:solidFill>
                       <a:srgbClr val="000000"/>
                     </a:solidFill>
@@ -11759,7 +11776,7 @@
               </a:ln>
               <a:extLst>
                 <a:ext uri="{91240B29-F687-4f45-9708-019B960494DF}">
-                  <a14:hiddenLine xmlns:a14="http://schemas.microsoft.com/office/drawing/2010/main" xmlns="" w="9525">
+                  <a14:hiddenLine xmlns="" xmlns:a14="http://schemas.microsoft.com/office/drawing/2010/main" w="9525">
                     <a:solidFill>
                       <a:srgbClr val="000000"/>
                     </a:solidFill>
@@ -11849,7 +11866,7 @@
               </a:ln>
               <a:extLst>
                 <a:ext uri="{91240B29-F687-4f45-9708-019B960494DF}">
-                  <a14:hiddenLine xmlns:a14="http://schemas.microsoft.com/office/drawing/2010/main" xmlns="" w="9525">
+                  <a14:hiddenLine xmlns="" xmlns:a14="http://schemas.microsoft.com/office/drawing/2010/main" w="9525">
                     <a:solidFill>
                       <a:srgbClr val="000000"/>
                     </a:solidFill>
@@ -11883,7 +11900,7 @@
               </a:ln>
               <a:extLst>
                 <a:ext uri="{91240B29-F687-4f45-9708-019B960494DF}">
-                  <a14:hiddenLine xmlns:a14="http://schemas.microsoft.com/office/drawing/2010/main" xmlns="" w="9525">
+                  <a14:hiddenLine xmlns="" xmlns:a14="http://schemas.microsoft.com/office/drawing/2010/main" w="9525">
                     <a:solidFill>
                       <a:srgbClr val="000000"/>
                     </a:solidFill>
@@ -12023,7 +12040,7 @@
           <a:p>
             <a:fld id="{4D90061C-7E18-4B66-86C7-57903802F072}" type="datetimeFigureOut">
               <a:rPr lang="es-ES" smtClean="0"/>
-              <a:t>08/01/2024</a:t>
+              <a:t>15/01/2024</a:t>
             </a:fld>
             <a:endParaRPr lang="es-ES"/>
           </a:p>
@@ -13233,7 +13250,12 @@
             <p:ph type="title"/>
           </p:nvPr>
         </p:nvSpPr>
-        <p:spPr/>
+        <p:spPr>
+          <a:xfrm>
+            <a:off x="1141413" y="297505"/>
+            <a:ext cx="9905998" cy="776649"/>
+          </a:xfrm>
+        </p:spPr>
         <p:txBody>
           <a:bodyPr/>
           <a:lstStyle/>
@@ -13261,28 +13283,203 @@
             <p:ph idx="1"/>
           </p:nvPr>
         </p:nvSpPr>
-        <p:spPr/>
+        <p:spPr>
+          <a:xfrm>
+            <a:off x="1141412" y="875489"/>
+            <a:ext cx="9905999" cy="4441229"/>
+          </a:xfrm>
+        </p:spPr>
+        <p:txBody>
+          <a:bodyPr>
+            <a:normAutofit/>
+          </a:bodyPr>
+          <a:lstStyle/>
+          <a:p>
+            <a:r>
+              <a:rPr lang="es-ES" dirty="0"/>
+              <a:t>Los protocolos TCP y UDP utilizan los sockets para proporcionar los puntos extremos de la comunicación entre aplicaciones o procesos. </a:t>
+            </a:r>
+          </a:p>
+          <a:p>
+            <a:r>
+              <a:rPr lang="es-ES" dirty="0"/>
+              <a:t>La comunicación entre procesos consiste en la transmisión de un mensaje entre un conector de un proceso y otro conector, a estos conectores se les denomina </a:t>
+            </a:r>
+            <a:r>
+              <a:rPr lang="es-ES" b="1" dirty="0"/>
+              <a:t>socket.</a:t>
+            </a:r>
+          </a:p>
+          <a:p>
+            <a:r>
+              <a:rPr lang="es-ES" dirty="0"/>
+              <a:t>Los procesos receptores de mensaje deben tener asociado dos campos:</a:t>
+            </a:r>
+          </a:p>
+          <a:p>
+            <a:pPr lvl="1"/>
+            <a:r>
+              <a:rPr lang="es-ES" dirty="0"/>
+              <a:t>La dirección IP del host.</a:t>
+            </a:r>
+          </a:p>
+          <a:p>
+            <a:pPr lvl="1"/>
+            <a:r>
+              <a:rPr lang="es-ES" dirty="0"/>
+              <a:t>El puerto local a través del cual la aplicación se comunica.</a:t>
+            </a:r>
+          </a:p>
+        </p:txBody>
+      </p:sp>
+      <p:pic>
+        <p:nvPicPr>
+          <p:cNvPr id="5" name="Imagen 4">
+            <a:extLst>
+              <a:ext uri="{FF2B5EF4-FFF2-40B4-BE49-F238E27FC236}">
+                <a16:creationId xmlns:a16="http://schemas.microsoft.com/office/drawing/2014/main" id="{B85881FF-0651-1A28-BCC8-594F0A98AE9D}"/>
+              </a:ext>
+            </a:extLst>
+          </p:cNvPr>
+          <p:cNvPicPr>
+            <a:picLocks noChangeAspect="1"/>
+          </p:cNvPicPr>
+          <p:nvPr/>
+        </p:nvPicPr>
+        <p:blipFill>
+          <a:blip r:embed="rId2"/>
+          <a:stretch>
+            <a:fillRect/>
+          </a:stretch>
+        </p:blipFill>
+        <p:spPr>
+          <a:xfrm>
+            <a:off x="2995917" y="4930909"/>
+            <a:ext cx="5772150" cy="1781175"/>
+          </a:xfrm>
+          <a:prstGeom prst="rect">
+            <a:avLst/>
+          </a:prstGeom>
+        </p:spPr>
+      </p:pic>
+    </p:spTree>
+    <p:extLst>
+      <p:ext uri="{BB962C8B-B14F-4D97-AF65-F5344CB8AC3E}">
+        <p14:creationId xmlns:p14="http://schemas.microsoft.com/office/powerpoint/2010/main" val="2763767487"/>
+      </p:ext>
+    </p:extLst>
+  </p:cSld>
+  <p:clrMapOvr>
+    <a:masterClrMapping/>
+  </p:clrMapOvr>
+</p:sld>
+</file>
+
+<file path=ppt/slides/slide14.xml><?xml version="1.0" encoding="utf-8"?>
+<p:sld xmlns:a="http://schemas.openxmlformats.org/drawingml/2006/main" xmlns:r="http://schemas.openxmlformats.org/officeDocument/2006/relationships" xmlns:p="http://schemas.openxmlformats.org/presentationml/2006/main">
+  <p:cSld>
+    <p:spTree>
+      <p:nvGrpSpPr>
+        <p:cNvPr id="1" name=""/>
+        <p:cNvGrpSpPr/>
+        <p:nvPr/>
+      </p:nvGrpSpPr>
+      <p:grpSpPr>
+        <a:xfrm>
+          <a:off x="0" y="0"/>
+          <a:ext cx="0" cy="0"/>
+          <a:chOff x="0" y="0"/>
+          <a:chExt cx="0" cy="0"/>
+        </a:xfrm>
+      </p:grpSpPr>
+      <p:sp>
+        <p:nvSpPr>
+          <p:cNvPr id="2" name="Título 1">
+            <a:extLst>
+              <a:ext uri="{FF2B5EF4-FFF2-40B4-BE49-F238E27FC236}">
+                <a16:creationId xmlns:a16="http://schemas.microsoft.com/office/drawing/2014/main" id="{E34ECDAF-8BEE-D79E-5AF5-8DD78D402F2B}"/>
+              </a:ext>
+            </a:extLst>
+          </p:cNvPr>
+          <p:cNvSpPr>
+            <a:spLocks noGrp="1"/>
+          </p:cNvSpPr>
+          <p:nvPr>
+            <p:ph type="title"/>
+          </p:nvPr>
+        </p:nvSpPr>
+        <p:spPr>
+          <a:xfrm>
+            <a:off x="1141413" y="618518"/>
+            <a:ext cx="9905998" cy="814356"/>
+          </a:xfrm>
+        </p:spPr>
         <p:txBody>
           <a:bodyPr/>
           <a:lstStyle/>
           <a:p>
             <a:r>
               <a:rPr lang="es-ES" dirty="0"/>
-              <a:t>Los protocolos TCP y UDP utilizan la </a:t>
-            </a:r>
-            <a:r>
-              <a:rPr lang="es-ES" dirty="0" err="1"/>
-              <a:t>abstración</a:t>
-            </a:r>
+              <a:t>3.2.1 funcionamiento general de un socket</a:t>
+            </a:r>
+          </a:p>
+        </p:txBody>
+      </p:sp>
+      <p:sp>
+        <p:nvSpPr>
+          <p:cNvPr id="3" name="Marcador de contenido 2">
+            <a:extLst>
+              <a:ext uri="{FF2B5EF4-FFF2-40B4-BE49-F238E27FC236}">
+                <a16:creationId xmlns:a16="http://schemas.microsoft.com/office/drawing/2014/main" id="{83745C79-755C-FE4A-743D-F9DCF882A410}"/>
+              </a:ext>
+            </a:extLst>
+          </p:cNvPr>
+          <p:cNvSpPr>
+            <a:spLocks noGrp="1"/>
+          </p:cNvSpPr>
+          <p:nvPr>
+            <p:ph idx="1"/>
+          </p:nvPr>
+        </p:nvSpPr>
+        <p:spPr>
+          <a:xfrm>
+            <a:off x="1141412" y="1432874"/>
+            <a:ext cx="9905999" cy="4358327"/>
+          </a:xfrm>
+        </p:spPr>
+        <p:txBody>
+          <a:bodyPr/>
+          <a:lstStyle/>
+          <a:p>
             <a:r>
               <a:rPr lang="es-ES" dirty="0"/>
-              <a:t> de sockets para proporcionar los puntos extremos de la comunicación entre aplicaciones o procesos. </a:t>
-            </a:r>
-          </a:p>
-          <a:p>
+              <a:t>Un </a:t>
+            </a:r>
+            <a:r>
+              <a:rPr lang="es-ES" b="1" dirty="0"/>
+              <a:t>puerto</a:t>
+            </a:r>
             <a:r>
               <a:rPr lang="es-ES" dirty="0"/>
-              <a:t>La comunicación entre procesos consiste en la transmisión de un mensaje entre un conector de un proceso y un conector de otro proceso, a este conector es a lo que llamamos socket.</a:t>
+              <a:t> es un punto de destino que identifica hacia qué aplicación o proceso deben dirigirse los datos. </a:t>
+            </a:r>
+          </a:p>
+          <a:p>
+            <a:r>
+              <a:rPr lang="es-ES" dirty="0"/>
+              <a:t>El servidor queda a la espera escuchando las solicitudes de conexión de los clientes sobre su puerto.</a:t>
+            </a:r>
+          </a:p>
+          <a:p>
+            <a:r>
+              <a:rPr lang="es-ES" dirty="0"/>
+              <a:t>El cliente debe conocer la IP y el puerto por el que se escuchan las peticiones.</a:t>
+            </a:r>
+          </a:p>
+          <a:p>
+            <a:r>
+              <a:rPr lang="es-ES" dirty="0"/>
+              <a:t>Si todo va bien, el servidor acepta la conexión. Tanto el cliente como el servidor cambian de puerto para que el servidor pueda seguir recibiendo peticiones.</a:t>
             </a:r>
           </a:p>
         </p:txBody>
@@ -13290,7 +13487,1479 @@
     </p:spTree>
     <p:extLst>
       <p:ext uri="{BB962C8B-B14F-4D97-AF65-F5344CB8AC3E}">
-        <p14:creationId xmlns:p14="http://schemas.microsoft.com/office/powerpoint/2010/main" val="2763767487"/>
+        <p14:creationId xmlns:p14="http://schemas.microsoft.com/office/powerpoint/2010/main" val="3519591204"/>
+      </p:ext>
+    </p:extLst>
+  </p:cSld>
+  <p:clrMapOvr>
+    <a:masterClrMapping/>
+  </p:clrMapOvr>
+</p:sld>
+</file>
+
+<file path=ppt/slides/slide15.xml><?xml version="1.0" encoding="utf-8"?>
+<p:sld xmlns:a="http://schemas.openxmlformats.org/drawingml/2006/main" xmlns:r="http://schemas.openxmlformats.org/officeDocument/2006/relationships" xmlns:p="http://schemas.openxmlformats.org/presentationml/2006/main">
+  <p:cSld>
+    <p:spTree>
+      <p:nvGrpSpPr>
+        <p:cNvPr id="1" name=""/>
+        <p:cNvGrpSpPr/>
+        <p:nvPr/>
+      </p:nvGrpSpPr>
+      <p:grpSpPr>
+        <a:xfrm>
+          <a:off x="0" y="0"/>
+          <a:ext cx="0" cy="0"/>
+          <a:chOff x="0" y="0"/>
+          <a:chExt cx="0" cy="0"/>
+        </a:xfrm>
+      </p:grpSpPr>
+      <p:sp>
+        <p:nvSpPr>
+          <p:cNvPr id="2" name="Título 1">
+            <a:extLst>
+              <a:ext uri="{FF2B5EF4-FFF2-40B4-BE49-F238E27FC236}">
+                <a16:creationId xmlns:a16="http://schemas.microsoft.com/office/drawing/2014/main" id="{83E5C95E-C28C-035B-63EF-1A8E6D87C76E}"/>
+              </a:ext>
+            </a:extLst>
+          </p:cNvPr>
+          <p:cNvSpPr>
+            <a:spLocks noGrp="1"/>
+          </p:cNvSpPr>
+          <p:nvPr>
+            <p:ph type="title"/>
+          </p:nvPr>
+        </p:nvSpPr>
+        <p:spPr/>
+        <p:txBody>
+          <a:bodyPr/>
+          <a:lstStyle/>
+          <a:p>
+            <a:r>
+              <a:rPr lang="es-ES" dirty="0"/>
+              <a:t>3.3 tipos de sockets</a:t>
+            </a:r>
+          </a:p>
+        </p:txBody>
+      </p:sp>
+      <p:sp>
+        <p:nvSpPr>
+          <p:cNvPr id="3" name="Marcador de contenido 2">
+            <a:extLst>
+              <a:ext uri="{FF2B5EF4-FFF2-40B4-BE49-F238E27FC236}">
+                <a16:creationId xmlns:a16="http://schemas.microsoft.com/office/drawing/2014/main" id="{87605331-A328-6CAE-7F5A-0928801FC598}"/>
+              </a:ext>
+            </a:extLst>
+          </p:cNvPr>
+          <p:cNvSpPr>
+            <a:spLocks noGrp="1"/>
+          </p:cNvSpPr>
+          <p:nvPr>
+            <p:ph idx="1"/>
+          </p:nvPr>
+        </p:nvSpPr>
+        <p:spPr/>
+        <p:txBody>
+          <a:bodyPr/>
+          <a:lstStyle/>
+          <a:p>
+            <a:r>
+              <a:rPr lang="es-ES" dirty="0"/>
+              <a:t>Existen dos tipos básicos de sockets en redes:</a:t>
+            </a:r>
+          </a:p>
+          <a:p>
+            <a:r>
+              <a:rPr lang="es-ES" dirty="0"/>
+              <a:t>Los protocolos TCP: orientados a conexiones. Es una conexión fiable en la que se garantiza la entrega y el orden de los paquetes.</a:t>
+            </a:r>
+          </a:p>
+          <a:p>
+            <a:endParaRPr lang="es-ES" dirty="0"/>
+          </a:p>
+          <a:p>
+            <a:r>
+              <a:rPr lang="es-ES" dirty="0"/>
+              <a:t>Los protocolos UDP: no orientados a conexiones. En estas conexiones no se garantiza que la información enviada llegue a su destino, tampoco garantiza el orden de llegada.</a:t>
+            </a:r>
+          </a:p>
+        </p:txBody>
+      </p:sp>
+    </p:spTree>
+    <p:extLst>
+      <p:ext uri="{BB962C8B-B14F-4D97-AF65-F5344CB8AC3E}">
+        <p14:creationId xmlns:p14="http://schemas.microsoft.com/office/powerpoint/2010/main" val="4072158492"/>
+      </p:ext>
+    </p:extLst>
+  </p:cSld>
+  <p:clrMapOvr>
+    <a:masterClrMapping/>
+  </p:clrMapOvr>
+</p:sld>
+</file>
+
+<file path=ppt/slides/slide16.xml><?xml version="1.0" encoding="utf-8"?>
+<p:sld xmlns:a="http://schemas.openxmlformats.org/drawingml/2006/main" xmlns:r="http://schemas.openxmlformats.org/officeDocument/2006/relationships" xmlns:p="http://schemas.openxmlformats.org/presentationml/2006/main">
+  <p:cSld>
+    <p:spTree>
+      <p:nvGrpSpPr>
+        <p:cNvPr id="1" name=""/>
+        <p:cNvGrpSpPr/>
+        <p:nvPr/>
+      </p:nvGrpSpPr>
+      <p:grpSpPr>
+        <a:xfrm>
+          <a:off x="0" y="0"/>
+          <a:ext cx="0" cy="0"/>
+          <a:chOff x="0" y="0"/>
+          <a:chExt cx="0" cy="0"/>
+        </a:xfrm>
+      </p:grpSpPr>
+      <p:sp>
+        <p:nvSpPr>
+          <p:cNvPr id="2" name="Título 1">
+            <a:extLst>
+              <a:ext uri="{FF2B5EF4-FFF2-40B4-BE49-F238E27FC236}">
+                <a16:creationId xmlns:a16="http://schemas.microsoft.com/office/drawing/2014/main" id="{F9F36DDE-FC38-1E22-9886-1B78F2A6A840}"/>
+              </a:ext>
+            </a:extLst>
+          </p:cNvPr>
+          <p:cNvSpPr>
+            <a:spLocks noGrp="1"/>
+          </p:cNvSpPr>
+          <p:nvPr>
+            <p:ph type="title"/>
+          </p:nvPr>
+        </p:nvSpPr>
+        <p:spPr/>
+        <p:txBody>
+          <a:bodyPr/>
+          <a:lstStyle/>
+          <a:p>
+            <a:r>
+              <a:rPr lang="es-ES" dirty="0"/>
+              <a:t>3.4 clases para sockets </a:t>
+            </a:r>
+            <a:r>
+              <a:rPr lang="es-ES" dirty="0" err="1"/>
+              <a:t>tcp</a:t>
+            </a:r>
+            <a:endParaRPr lang="es-ES" dirty="0"/>
+          </a:p>
+        </p:txBody>
+      </p:sp>
+      <p:sp>
+        <p:nvSpPr>
+          <p:cNvPr id="3" name="Marcador de contenido 2">
+            <a:extLst>
+              <a:ext uri="{FF2B5EF4-FFF2-40B4-BE49-F238E27FC236}">
+                <a16:creationId xmlns:a16="http://schemas.microsoft.com/office/drawing/2014/main" id="{229DC14E-BB04-0D21-94B5-3FA10309FB27}"/>
+              </a:ext>
+            </a:extLst>
+          </p:cNvPr>
+          <p:cNvSpPr>
+            <a:spLocks noGrp="1"/>
+          </p:cNvSpPr>
+          <p:nvPr>
+            <p:ph idx="1"/>
+          </p:nvPr>
+        </p:nvSpPr>
+        <p:spPr/>
+        <p:txBody>
+          <a:bodyPr/>
+          <a:lstStyle/>
+          <a:p>
+            <a:r>
+              <a:rPr lang="es-ES" dirty="0"/>
+              <a:t>El paquete java.net proporciona las clases </a:t>
+            </a:r>
+            <a:r>
+              <a:rPr lang="es-ES" dirty="0" err="1"/>
+              <a:t>ServerSocket</a:t>
+            </a:r>
+            <a:r>
+              <a:rPr lang="es-ES" dirty="0"/>
+              <a:t> y Socket.</a:t>
+            </a:r>
+          </a:p>
+          <a:p>
+            <a:r>
+              <a:rPr lang="es-ES" dirty="0"/>
+              <a:t>Uno de los sockets, el cliente, solicita una conexión, y el otro, el servidor, atiende las peticiones.</a:t>
+            </a:r>
+          </a:p>
+          <a:p>
+            <a:endParaRPr lang="es-ES" dirty="0"/>
+          </a:p>
+        </p:txBody>
+      </p:sp>
+    </p:spTree>
+    <p:extLst>
+      <p:ext uri="{BB962C8B-B14F-4D97-AF65-F5344CB8AC3E}">
+        <p14:creationId xmlns:p14="http://schemas.microsoft.com/office/powerpoint/2010/main" val="1963963869"/>
+      </p:ext>
+    </p:extLst>
+  </p:cSld>
+  <p:clrMapOvr>
+    <a:masterClrMapping/>
+  </p:clrMapOvr>
+</p:sld>
+</file>
+
+<file path=ppt/slides/slide17.xml><?xml version="1.0" encoding="utf-8"?>
+<p:sld xmlns:a="http://schemas.openxmlformats.org/drawingml/2006/main" xmlns:r="http://schemas.openxmlformats.org/officeDocument/2006/relationships" xmlns:p="http://schemas.openxmlformats.org/presentationml/2006/main">
+  <p:cSld>
+    <p:spTree>
+      <p:nvGrpSpPr>
+        <p:cNvPr id="1" name=""/>
+        <p:cNvGrpSpPr/>
+        <p:nvPr/>
+      </p:nvGrpSpPr>
+      <p:grpSpPr>
+        <a:xfrm>
+          <a:off x="0" y="0"/>
+          <a:ext cx="0" cy="0"/>
+          <a:chOff x="0" y="0"/>
+          <a:chExt cx="0" cy="0"/>
+        </a:xfrm>
+      </p:grpSpPr>
+      <p:sp>
+        <p:nvSpPr>
+          <p:cNvPr id="2" name="Título 1">
+            <a:extLst>
+              <a:ext uri="{FF2B5EF4-FFF2-40B4-BE49-F238E27FC236}">
+                <a16:creationId xmlns:a16="http://schemas.microsoft.com/office/drawing/2014/main" id="{C2E193A4-08D7-A0BD-A18B-E35264FAEA81}"/>
+              </a:ext>
+            </a:extLst>
+          </p:cNvPr>
+          <p:cNvSpPr>
+            <a:spLocks noGrp="1"/>
+          </p:cNvSpPr>
+          <p:nvPr>
+            <p:ph type="title"/>
+          </p:nvPr>
+        </p:nvSpPr>
+        <p:spPr>
+          <a:xfrm>
+            <a:off x="1141413" y="618518"/>
+            <a:ext cx="9905998" cy="748369"/>
+          </a:xfrm>
+        </p:spPr>
+        <p:txBody>
+          <a:bodyPr/>
+          <a:lstStyle/>
+          <a:p>
+            <a:r>
+              <a:rPr lang="es-ES" dirty="0"/>
+              <a:t>3.4.1 clase </a:t>
+            </a:r>
+            <a:r>
+              <a:rPr lang="es-ES" dirty="0" err="1"/>
+              <a:t>serversocket</a:t>
+            </a:r>
+            <a:endParaRPr lang="es-ES" dirty="0"/>
+          </a:p>
+        </p:txBody>
+      </p:sp>
+      <p:sp>
+        <p:nvSpPr>
+          <p:cNvPr id="3" name="Marcador de contenido 2">
+            <a:extLst>
+              <a:ext uri="{FF2B5EF4-FFF2-40B4-BE49-F238E27FC236}">
+                <a16:creationId xmlns:a16="http://schemas.microsoft.com/office/drawing/2014/main" id="{DDEBF4F1-A895-E479-1976-3A9FC5A61484}"/>
+              </a:ext>
+            </a:extLst>
+          </p:cNvPr>
+          <p:cNvSpPr>
+            <a:spLocks noGrp="1"/>
+          </p:cNvSpPr>
+          <p:nvPr>
+            <p:ph idx="1"/>
+          </p:nvPr>
+        </p:nvSpPr>
+        <p:spPr>
+          <a:xfrm>
+            <a:off x="1141412" y="1366888"/>
+            <a:ext cx="9905999" cy="5015058"/>
+          </a:xfrm>
+        </p:spPr>
+        <p:txBody>
+          <a:bodyPr/>
+          <a:lstStyle/>
+          <a:p>
+            <a:r>
+              <a:rPr lang="es-ES" dirty="0"/>
+              <a:t>Se utiliza para implementar el extremo de la conexión que corresponde al servidor.</a:t>
+            </a:r>
+          </a:p>
+          <a:p>
+            <a:endParaRPr lang="es-ES" dirty="0"/>
+          </a:p>
+        </p:txBody>
+      </p:sp>
+      <p:graphicFrame>
+        <p:nvGraphicFramePr>
+          <p:cNvPr id="4" name="Tabla 3">
+            <a:extLst>
+              <a:ext uri="{FF2B5EF4-FFF2-40B4-BE49-F238E27FC236}">
+                <a16:creationId xmlns:a16="http://schemas.microsoft.com/office/drawing/2014/main" id="{3039C3F4-F728-A114-9325-270AD6D42CB6}"/>
+              </a:ext>
+            </a:extLst>
+          </p:cNvPr>
+          <p:cNvGraphicFramePr>
+            <a:graphicFrameLocks noGrp="1"/>
+          </p:cNvGraphicFramePr>
+          <p:nvPr>
+            <p:extLst>
+              <p:ext uri="{D42A27DB-BD31-4B8C-83A1-F6EECF244321}">
+                <p14:modId xmlns:p14="http://schemas.microsoft.com/office/powerpoint/2010/main" val="195363130"/>
+              </p:ext>
+            </p:extLst>
+          </p:nvPr>
+        </p:nvGraphicFramePr>
+        <p:xfrm>
+          <a:off x="2814425" y="1935724"/>
+          <a:ext cx="8128000" cy="4770120"/>
+        </p:xfrm>
+        <a:graphic>
+          <a:graphicData uri="http://schemas.openxmlformats.org/drawingml/2006/table">
+            <a:tbl>
+              <a:tblPr firstRow="1" bandRow="1">
+                <a:tableStyleId>{5C22544A-7EE6-4342-B048-85BDC9FD1C3A}</a:tableStyleId>
+              </a:tblPr>
+              <a:tblGrid>
+                <a:gridCol w="4064000">
+                  <a:extLst>
+                    <a:ext uri="{9D8B030D-6E8A-4147-A177-3AD203B41FA5}">
+                      <a16:colId xmlns:a16="http://schemas.microsoft.com/office/drawing/2014/main" val="1803686304"/>
+                    </a:ext>
+                  </a:extLst>
+                </a:gridCol>
+                <a:gridCol w="4064000">
+                  <a:extLst>
+                    <a:ext uri="{9D8B030D-6E8A-4147-A177-3AD203B41FA5}">
+                      <a16:colId xmlns:a16="http://schemas.microsoft.com/office/drawing/2014/main" val="3738286780"/>
+                    </a:ext>
+                  </a:extLst>
+                </a:gridCol>
+              </a:tblGrid>
+              <a:tr h="370840">
+                <a:tc>
+                  <a:txBody>
+                    <a:bodyPr/>
+                    <a:lstStyle/>
+                    <a:p>
+                      <a:r>
+                        <a:rPr lang="es-ES" dirty="0"/>
+                        <a:t>CONSTRUCTOR</a:t>
+                      </a:r>
+                    </a:p>
+                  </a:txBody>
+                  <a:tcPr/>
+                </a:tc>
+                <a:tc>
+                  <a:txBody>
+                    <a:bodyPr/>
+                    <a:lstStyle/>
+                    <a:p>
+                      <a:r>
+                        <a:rPr lang="es-ES" dirty="0"/>
+                        <a:t>FUNCIÓN</a:t>
+                      </a:r>
+                    </a:p>
+                  </a:txBody>
+                  <a:tcPr/>
+                </a:tc>
+                <a:extLst>
+                  <a:ext uri="{0D108BD9-81ED-4DB2-BD59-A6C34878D82A}">
+                    <a16:rowId xmlns:a16="http://schemas.microsoft.com/office/drawing/2014/main" val="3743498119"/>
+                  </a:ext>
+                </a:extLst>
+              </a:tr>
+              <a:tr h="370840">
+                <a:tc>
+                  <a:txBody>
+                    <a:bodyPr/>
+                    <a:lstStyle/>
+                    <a:p>
+                      <a:r>
+                        <a:rPr lang="es-ES" dirty="0" err="1"/>
+                        <a:t>ServerSocket</a:t>
+                      </a:r>
+                      <a:r>
+                        <a:rPr lang="es-ES" dirty="0"/>
+                        <a:t> (</a:t>
+                      </a:r>
+                      <a:r>
+                        <a:rPr lang="es-ES" dirty="0" err="1"/>
+                        <a:t>int</a:t>
+                      </a:r>
+                      <a:r>
+                        <a:rPr lang="es-ES" dirty="0"/>
+                        <a:t> </a:t>
+                      </a:r>
+                      <a:r>
+                        <a:rPr lang="es-ES" dirty="0" err="1"/>
+                        <a:t>port</a:t>
+                      </a:r>
+                      <a:r>
+                        <a:rPr lang="es-ES" dirty="0"/>
+                        <a:t>)</a:t>
+                      </a:r>
+                    </a:p>
+                  </a:txBody>
+                  <a:tcPr/>
+                </a:tc>
+                <a:tc>
+                  <a:txBody>
+                    <a:bodyPr/>
+                    <a:lstStyle/>
+                    <a:p>
+                      <a:r>
+                        <a:rPr lang="es-ES" dirty="0"/>
+                        <a:t>Crea un socket de servidor que se enlaza al puerto especificado.</a:t>
+                      </a:r>
+                    </a:p>
+                  </a:txBody>
+                  <a:tcPr/>
+                </a:tc>
+                <a:extLst>
+                  <a:ext uri="{0D108BD9-81ED-4DB2-BD59-A6C34878D82A}">
+                    <a16:rowId xmlns:a16="http://schemas.microsoft.com/office/drawing/2014/main" val="4133161474"/>
+                  </a:ext>
+                </a:extLst>
+              </a:tr>
+              <a:tr h="0">
+                <a:tc>
+                  <a:txBody>
+                    <a:bodyPr/>
+                    <a:lstStyle/>
+                    <a:p>
+                      <a:r>
+                        <a:rPr lang="es-ES" dirty="0" err="1"/>
+                        <a:t>ServerSocket</a:t>
+                      </a:r>
+                      <a:r>
+                        <a:rPr lang="es-ES" dirty="0"/>
+                        <a:t> (</a:t>
+                      </a:r>
+                      <a:r>
+                        <a:rPr lang="es-ES" dirty="0" err="1"/>
+                        <a:t>int</a:t>
+                      </a:r>
+                      <a:r>
+                        <a:rPr lang="es-ES" dirty="0"/>
+                        <a:t> </a:t>
+                      </a:r>
+                      <a:r>
+                        <a:rPr lang="es-ES" dirty="0" err="1"/>
+                        <a:t>port</a:t>
+                      </a:r>
+                      <a:r>
+                        <a:rPr lang="es-ES" dirty="0"/>
+                        <a:t>, </a:t>
+                      </a:r>
+                      <a:r>
+                        <a:rPr lang="es-ES" dirty="0" err="1"/>
+                        <a:t>int</a:t>
+                      </a:r>
+                      <a:r>
+                        <a:rPr lang="es-ES" dirty="0"/>
+                        <a:t> máximo)</a:t>
+                      </a:r>
+                    </a:p>
+                  </a:txBody>
+                  <a:tcPr/>
+                </a:tc>
+                <a:tc>
+                  <a:txBody>
+                    <a:bodyPr/>
+                    <a:lstStyle/>
+                    <a:p>
+                      <a:pPr marL="0" marR="0" lvl="0" indent="0" algn="l" defTabSz="914400" rtl="0" eaLnBrk="1" fontAlgn="auto" latinLnBrk="0" hangingPunct="1">
+                        <a:lnSpc>
+                          <a:spcPct val="100000"/>
+                        </a:lnSpc>
+                        <a:spcBef>
+                          <a:spcPts val="0"/>
+                        </a:spcBef>
+                        <a:spcAft>
+                          <a:spcPts val="0"/>
+                        </a:spcAft>
+                        <a:buClrTx/>
+                        <a:buSzTx/>
+                        <a:buFontTx/>
+                        <a:buNone/>
+                        <a:tabLst/>
+                        <a:defRPr/>
+                      </a:pPr>
+                      <a:r>
+                        <a:rPr lang="es-ES" dirty="0"/>
+                        <a:t>Crea un socket de servidor que se enlaza al puerto especificado. El parámetro máximo especifica el número máximo de conexiones en cola.</a:t>
+                      </a:r>
+                    </a:p>
+                    <a:p>
+                      <a:endParaRPr lang="es-ES" dirty="0"/>
+                    </a:p>
+                  </a:txBody>
+                  <a:tcPr/>
+                </a:tc>
+                <a:extLst>
+                  <a:ext uri="{0D108BD9-81ED-4DB2-BD59-A6C34878D82A}">
+                    <a16:rowId xmlns:a16="http://schemas.microsoft.com/office/drawing/2014/main" val="1528253516"/>
+                  </a:ext>
+                </a:extLst>
+              </a:tr>
+              <a:tr h="370840">
+                <a:tc>
+                  <a:txBody>
+                    <a:bodyPr/>
+                    <a:lstStyle/>
+                    <a:p>
+                      <a:pPr marL="0" algn="l" defTabSz="914400" rtl="0" eaLnBrk="1" latinLnBrk="0" hangingPunct="1"/>
+                      <a:r>
+                        <a:rPr lang="es-ES" sz="1800" b="1" kern="1200" dirty="0">
+                          <a:solidFill>
+                            <a:schemeClr val="lt1"/>
+                          </a:solidFill>
+                          <a:latin typeface="+mn-lt"/>
+                          <a:ea typeface="+mn-ea"/>
+                          <a:cs typeface="+mn-cs"/>
+                        </a:rPr>
+                        <a:t>MÉTODOS</a:t>
+                      </a:r>
+                    </a:p>
+                  </a:txBody>
+                  <a:tcPr>
+                    <a:solidFill>
+                      <a:srgbClr val="92D050"/>
+                    </a:solidFill>
+                  </a:tcPr>
+                </a:tc>
+                <a:tc>
+                  <a:txBody>
+                    <a:bodyPr/>
+                    <a:lstStyle/>
+                    <a:p>
+                      <a:pPr marL="0" algn="l" defTabSz="914400" rtl="0" eaLnBrk="1" latinLnBrk="0" hangingPunct="1"/>
+                      <a:r>
+                        <a:rPr lang="es-ES" sz="1800" b="1" kern="1200" dirty="0">
+                          <a:solidFill>
+                            <a:schemeClr val="lt1"/>
+                          </a:solidFill>
+                          <a:latin typeface="+mn-lt"/>
+                          <a:ea typeface="+mn-ea"/>
+                          <a:cs typeface="+mn-cs"/>
+                        </a:rPr>
+                        <a:t>FUNCIÓN</a:t>
+                      </a:r>
+                    </a:p>
+                  </a:txBody>
+                  <a:tcPr>
+                    <a:solidFill>
+                      <a:srgbClr val="92D050"/>
+                    </a:solidFill>
+                  </a:tcPr>
+                </a:tc>
+                <a:extLst>
+                  <a:ext uri="{0D108BD9-81ED-4DB2-BD59-A6C34878D82A}">
+                    <a16:rowId xmlns:a16="http://schemas.microsoft.com/office/drawing/2014/main" val="1789793442"/>
+                  </a:ext>
+                </a:extLst>
+              </a:tr>
+              <a:tr h="370840">
+                <a:tc>
+                  <a:txBody>
+                    <a:bodyPr/>
+                    <a:lstStyle/>
+                    <a:p>
+                      <a:r>
+                        <a:rPr lang="es-ES" dirty="0"/>
+                        <a:t>Socket </a:t>
+                      </a:r>
+                      <a:r>
+                        <a:rPr lang="es-ES" dirty="0" err="1"/>
+                        <a:t>accept</a:t>
+                      </a:r>
+                      <a:r>
+                        <a:rPr lang="es-ES" dirty="0"/>
+                        <a:t>()</a:t>
+                      </a:r>
+                    </a:p>
+                  </a:txBody>
+                  <a:tcPr/>
+                </a:tc>
+                <a:tc>
+                  <a:txBody>
+                    <a:bodyPr/>
+                    <a:lstStyle/>
+                    <a:p>
+                      <a:r>
+                        <a:rPr lang="es-ES" dirty="0"/>
+                        <a:t>Escucha una solicitud de conexión de un cliente y la acepta. El server socket sigue disponible para realizar nuevos </a:t>
+                      </a:r>
+                      <a:r>
+                        <a:rPr lang="es-ES" dirty="0" err="1"/>
+                        <a:t>accept</a:t>
+                      </a:r>
+                      <a:r>
+                        <a:rPr lang="es-ES" dirty="0"/>
+                        <a:t>().</a:t>
+                      </a:r>
+                    </a:p>
+                  </a:txBody>
+                  <a:tcPr/>
+                </a:tc>
+                <a:extLst>
+                  <a:ext uri="{0D108BD9-81ED-4DB2-BD59-A6C34878D82A}">
+                    <a16:rowId xmlns:a16="http://schemas.microsoft.com/office/drawing/2014/main" val="3694460809"/>
+                  </a:ext>
+                </a:extLst>
+              </a:tr>
+              <a:tr h="370840">
+                <a:tc>
+                  <a:txBody>
+                    <a:bodyPr/>
+                    <a:lstStyle/>
+                    <a:p>
+                      <a:r>
+                        <a:rPr lang="es-ES" dirty="0"/>
+                        <a:t>Close ()</a:t>
+                      </a:r>
+                    </a:p>
+                  </a:txBody>
+                  <a:tcPr/>
+                </a:tc>
+                <a:tc>
+                  <a:txBody>
+                    <a:bodyPr/>
+                    <a:lstStyle/>
+                    <a:p>
+                      <a:r>
+                        <a:rPr lang="es-ES" dirty="0"/>
+                        <a:t>Cierra el </a:t>
+                      </a:r>
+                      <a:r>
+                        <a:rPr lang="es-ES" dirty="0" err="1"/>
+                        <a:t>ServerSocket</a:t>
+                      </a:r>
+                      <a:r>
+                        <a:rPr lang="es-ES" dirty="0"/>
+                        <a:t>.</a:t>
+                      </a:r>
+                    </a:p>
+                  </a:txBody>
+                  <a:tcPr/>
+                </a:tc>
+                <a:extLst>
+                  <a:ext uri="{0D108BD9-81ED-4DB2-BD59-A6C34878D82A}">
+                    <a16:rowId xmlns:a16="http://schemas.microsoft.com/office/drawing/2014/main" val="1336676156"/>
+                  </a:ext>
+                </a:extLst>
+              </a:tr>
+              <a:tr h="370840">
+                <a:tc>
+                  <a:txBody>
+                    <a:bodyPr/>
+                    <a:lstStyle/>
+                    <a:p>
+                      <a:r>
+                        <a:rPr lang="es-ES" dirty="0"/>
+                        <a:t>Int </a:t>
+                      </a:r>
+                      <a:r>
+                        <a:rPr lang="es-ES" dirty="0" err="1"/>
+                        <a:t>getLocalPort</a:t>
+                      </a:r>
+                      <a:r>
+                        <a:rPr lang="es-ES" dirty="0"/>
+                        <a:t>()</a:t>
+                      </a:r>
+                    </a:p>
+                  </a:txBody>
+                  <a:tcPr/>
+                </a:tc>
+                <a:tc>
+                  <a:txBody>
+                    <a:bodyPr/>
+                    <a:lstStyle/>
+                    <a:p>
+                      <a:r>
+                        <a:rPr lang="es-ES" dirty="0"/>
+                        <a:t>Devuelve el puerto al que está enlazado el </a:t>
+                      </a:r>
+                      <a:r>
+                        <a:rPr lang="es-ES" dirty="0" err="1"/>
+                        <a:t>ServerSocket</a:t>
+                      </a:r>
+                      <a:r>
+                        <a:rPr lang="es-ES" dirty="0"/>
+                        <a:t>.</a:t>
+                      </a:r>
+                    </a:p>
+                  </a:txBody>
+                  <a:tcPr/>
+                </a:tc>
+                <a:extLst>
+                  <a:ext uri="{0D108BD9-81ED-4DB2-BD59-A6C34878D82A}">
+                    <a16:rowId xmlns:a16="http://schemas.microsoft.com/office/drawing/2014/main" val="2883948519"/>
+                  </a:ext>
+                </a:extLst>
+              </a:tr>
+            </a:tbl>
+          </a:graphicData>
+        </a:graphic>
+      </p:graphicFrame>
+    </p:spTree>
+    <p:extLst>
+      <p:ext uri="{BB962C8B-B14F-4D97-AF65-F5344CB8AC3E}">
+        <p14:creationId xmlns:p14="http://schemas.microsoft.com/office/powerpoint/2010/main" val="356461164"/>
+      </p:ext>
+    </p:extLst>
+  </p:cSld>
+  <p:clrMapOvr>
+    <a:masterClrMapping/>
+  </p:clrMapOvr>
+</p:sld>
+</file>
+
+<file path=ppt/slides/slide18.xml><?xml version="1.0" encoding="utf-8"?>
+<p:sld xmlns:a="http://schemas.openxmlformats.org/drawingml/2006/main" xmlns:r="http://schemas.openxmlformats.org/officeDocument/2006/relationships" xmlns:p="http://schemas.openxmlformats.org/presentationml/2006/main">
+  <p:cSld>
+    <p:spTree>
+      <p:nvGrpSpPr>
+        <p:cNvPr id="1" name=""/>
+        <p:cNvGrpSpPr/>
+        <p:nvPr/>
+      </p:nvGrpSpPr>
+      <p:grpSpPr>
+        <a:xfrm>
+          <a:off x="0" y="0"/>
+          <a:ext cx="0" cy="0"/>
+          <a:chOff x="0" y="0"/>
+          <a:chExt cx="0" cy="0"/>
+        </a:xfrm>
+      </p:grpSpPr>
+      <p:sp>
+        <p:nvSpPr>
+          <p:cNvPr id="2" name="Título 1">
+            <a:extLst>
+              <a:ext uri="{FF2B5EF4-FFF2-40B4-BE49-F238E27FC236}">
+                <a16:creationId xmlns:a16="http://schemas.microsoft.com/office/drawing/2014/main" id="{B34A7F72-7ED6-88C7-59DD-1704818BC2A6}"/>
+              </a:ext>
+            </a:extLst>
+          </p:cNvPr>
+          <p:cNvSpPr>
+            <a:spLocks noGrp="1"/>
+          </p:cNvSpPr>
+          <p:nvPr>
+            <p:ph type="title"/>
+          </p:nvPr>
+        </p:nvSpPr>
+        <p:spPr/>
+        <p:txBody>
+          <a:bodyPr/>
+          <a:lstStyle/>
+          <a:p>
+            <a:r>
+              <a:rPr lang="es-ES" dirty="0"/>
+              <a:t>Ejemplo servidor</a:t>
+            </a:r>
+          </a:p>
+        </p:txBody>
+      </p:sp>
+      <p:pic>
+        <p:nvPicPr>
+          <p:cNvPr id="9" name="Marcador de contenido 8">
+            <a:extLst>
+              <a:ext uri="{FF2B5EF4-FFF2-40B4-BE49-F238E27FC236}">
+                <a16:creationId xmlns:a16="http://schemas.microsoft.com/office/drawing/2014/main" id="{CFAAE431-5858-0B0E-5730-F14FB0562D76}"/>
+              </a:ext>
+            </a:extLst>
+          </p:cNvPr>
+          <p:cNvPicPr>
+            <a:picLocks noGrp="1" noChangeAspect="1"/>
+          </p:cNvPicPr>
+          <p:nvPr>
+            <p:ph idx="1"/>
+          </p:nvPr>
+        </p:nvPicPr>
+        <p:blipFill>
+          <a:blip r:embed="rId2"/>
+          <a:stretch>
+            <a:fillRect/>
+          </a:stretch>
+        </p:blipFill>
+        <p:spPr>
+          <a:xfrm>
+            <a:off x="1798811" y="2249488"/>
+            <a:ext cx="8591203" cy="3541712"/>
+          </a:xfrm>
+        </p:spPr>
+      </p:pic>
+    </p:spTree>
+    <p:extLst>
+      <p:ext uri="{BB962C8B-B14F-4D97-AF65-F5344CB8AC3E}">
+        <p14:creationId xmlns:p14="http://schemas.microsoft.com/office/powerpoint/2010/main" val="2271762296"/>
+      </p:ext>
+    </p:extLst>
+  </p:cSld>
+  <p:clrMapOvr>
+    <a:masterClrMapping/>
+  </p:clrMapOvr>
+</p:sld>
+</file>
+
+<file path=ppt/slides/slide19.xml><?xml version="1.0" encoding="utf-8"?>
+<p:sld xmlns:a="http://schemas.openxmlformats.org/drawingml/2006/main" xmlns:r="http://schemas.openxmlformats.org/officeDocument/2006/relationships" xmlns:p="http://schemas.openxmlformats.org/presentationml/2006/main">
+  <p:cSld>
+    <p:spTree>
+      <p:nvGrpSpPr>
+        <p:cNvPr id="1" name=""/>
+        <p:cNvGrpSpPr/>
+        <p:nvPr/>
+      </p:nvGrpSpPr>
+      <p:grpSpPr>
+        <a:xfrm>
+          <a:off x="0" y="0"/>
+          <a:ext cx="0" cy="0"/>
+          <a:chOff x="0" y="0"/>
+          <a:chExt cx="0" cy="0"/>
+        </a:xfrm>
+      </p:grpSpPr>
+      <p:sp>
+        <p:nvSpPr>
+          <p:cNvPr id="2" name="Título 1">
+            <a:extLst>
+              <a:ext uri="{FF2B5EF4-FFF2-40B4-BE49-F238E27FC236}">
+                <a16:creationId xmlns:a16="http://schemas.microsoft.com/office/drawing/2014/main" id="{548A94C5-CAF7-1B1F-430E-3C7D2BBCBB54}"/>
+              </a:ext>
+            </a:extLst>
+          </p:cNvPr>
+          <p:cNvSpPr>
+            <a:spLocks noGrp="1"/>
+          </p:cNvSpPr>
+          <p:nvPr>
+            <p:ph type="title"/>
+          </p:nvPr>
+        </p:nvSpPr>
+        <p:spPr>
+          <a:xfrm>
+            <a:off x="1141413" y="618518"/>
+            <a:ext cx="9905998" cy="710661"/>
+          </a:xfrm>
+        </p:spPr>
+        <p:txBody>
+          <a:bodyPr/>
+          <a:lstStyle/>
+          <a:p>
+            <a:r>
+              <a:rPr lang="es-ES" dirty="0"/>
+              <a:t>3.4.2 clase socket</a:t>
+            </a:r>
+          </a:p>
+        </p:txBody>
+      </p:sp>
+      <p:sp>
+        <p:nvSpPr>
+          <p:cNvPr id="3" name="Marcador de contenido 2">
+            <a:extLst>
+              <a:ext uri="{FF2B5EF4-FFF2-40B4-BE49-F238E27FC236}">
+                <a16:creationId xmlns:a16="http://schemas.microsoft.com/office/drawing/2014/main" id="{3A23DE05-40A9-4F7B-FF93-E1C63A4FB8BC}"/>
+              </a:ext>
+            </a:extLst>
+          </p:cNvPr>
+          <p:cNvSpPr>
+            <a:spLocks noGrp="1"/>
+          </p:cNvSpPr>
+          <p:nvPr>
+            <p:ph idx="1"/>
+          </p:nvPr>
+        </p:nvSpPr>
+        <p:spPr>
+          <a:xfrm>
+            <a:off x="1141412" y="1329179"/>
+            <a:ext cx="9905999" cy="4462022"/>
+          </a:xfrm>
+        </p:spPr>
+        <p:txBody>
+          <a:bodyPr/>
+          <a:lstStyle/>
+          <a:p>
+            <a:r>
+              <a:rPr lang="es-ES" dirty="0"/>
+              <a:t>Implementa un extremo de la conexión TCP.</a:t>
+            </a:r>
+          </a:p>
+          <a:p>
+            <a:endParaRPr lang="es-ES" dirty="0"/>
+          </a:p>
+          <a:p>
+            <a:endParaRPr lang="es-ES" dirty="0"/>
+          </a:p>
+        </p:txBody>
+      </p:sp>
+      <p:graphicFrame>
+        <p:nvGraphicFramePr>
+          <p:cNvPr id="4" name="Tabla 3">
+            <a:extLst>
+              <a:ext uri="{FF2B5EF4-FFF2-40B4-BE49-F238E27FC236}">
+                <a16:creationId xmlns:a16="http://schemas.microsoft.com/office/drawing/2014/main" id="{2C202797-8DD0-2A6D-57B3-1309E50EDF5E}"/>
+              </a:ext>
+            </a:extLst>
+          </p:cNvPr>
+          <p:cNvGraphicFramePr>
+            <a:graphicFrameLocks noGrp="1"/>
+          </p:cNvGraphicFramePr>
+          <p:nvPr>
+            <p:extLst>
+              <p:ext uri="{D42A27DB-BD31-4B8C-83A1-F6EECF244321}">
+                <p14:modId xmlns:p14="http://schemas.microsoft.com/office/powerpoint/2010/main" val="510614273"/>
+              </p:ext>
+            </p:extLst>
+          </p:nvPr>
+        </p:nvGraphicFramePr>
+        <p:xfrm>
+          <a:off x="933252" y="2063807"/>
+          <a:ext cx="10812545" cy="4511040"/>
+        </p:xfrm>
+        <a:graphic>
+          <a:graphicData uri="http://schemas.openxmlformats.org/drawingml/2006/table">
+            <a:tbl>
+              <a:tblPr firstRow="1" bandRow="1">
+                <a:tableStyleId>{5C22544A-7EE6-4342-B048-85BDC9FD1C3A}</a:tableStyleId>
+              </a:tblPr>
+              <a:tblGrid>
+                <a:gridCol w="3807115">
+                  <a:extLst>
+                    <a:ext uri="{9D8B030D-6E8A-4147-A177-3AD203B41FA5}">
+                      <a16:colId xmlns:a16="http://schemas.microsoft.com/office/drawing/2014/main" val="1803686304"/>
+                    </a:ext>
+                  </a:extLst>
+                </a:gridCol>
+                <a:gridCol w="7005430">
+                  <a:extLst>
+                    <a:ext uri="{9D8B030D-6E8A-4147-A177-3AD203B41FA5}">
+                      <a16:colId xmlns:a16="http://schemas.microsoft.com/office/drawing/2014/main" val="3738286780"/>
+                    </a:ext>
+                  </a:extLst>
+                </a:gridCol>
+              </a:tblGrid>
+              <a:tr h="370840">
+                <a:tc>
+                  <a:txBody>
+                    <a:bodyPr/>
+                    <a:lstStyle/>
+                    <a:p>
+                      <a:r>
+                        <a:rPr lang="es-ES" dirty="0"/>
+                        <a:t>CONSTRUCTOR</a:t>
+                      </a:r>
+                    </a:p>
+                  </a:txBody>
+                  <a:tcPr/>
+                </a:tc>
+                <a:tc>
+                  <a:txBody>
+                    <a:bodyPr/>
+                    <a:lstStyle/>
+                    <a:p>
+                      <a:r>
+                        <a:rPr lang="es-ES" dirty="0"/>
+                        <a:t>FUNCIÓN</a:t>
+                      </a:r>
+                    </a:p>
+                  </a:txBody>
+                  <a:tcPr/>
+                </a:tc>
+                <a:extLst>
+                  <a:ext uri="{0D108BD9-81ED-4DB2-BD59-A6C34878D82A}">
+                    <a16:rowId xmlns:a16="http://schemas.microsoft.com/office/drawing/2014/main" val="3743498119"/>
+                  </a:ext>
+                </a:extLst>
+              </a:tr>
+              <a:tr h="370840">
+                <a:tc>
+                  <a:txBody>
+                    <a:bodyPr/>
+                    <a:lstStyle/>
+                    <a:p>
+                      <a:r>
+                        <a:rPr lang="es-ES" dirty="0"/>
+                        <a:t>Socket (</a:t>
+                      </a:r>
+                      <a:r>
+                        <a:rPr lang="es-ES" dirty="0" err="1"/>
+                        <a:t>InetAdress</a:t>
+                      </a:r>
+                      <a:r>
+                        <a:rPr lang="es-ES" dirty="0"/>
+                        <a:t> </a:t>
+                      </a:r>
+                      <a:r>
+                        <a:rPr lang="es-ES" dirty="0" err="1"/>
+                        <a:t>adress</a:t>
+                      </a:r>
+                      <a:r>
+                        <a:rPr lang="es-ES" dirty="0"/>
+                        <a:t>, </a:t>
+                      </a:r>
+                      <a:r>
+                        <a:rPr lang="es-ES" dirty="0" err="1"/>
+                        <a:t>int</a:t>
+                      </a:r>
+                      <a:r>
+                        <a:rPr lang="es-ES" dirty="0"/>
+                        <a:t> </a:t>
+                      </a:r>
+                      <a:r>
+                        <a:rPr lang="es-ES" dirty="0" err="1"/>
+                        <a:t>port</a:t>
+                      </a:r>
+                      <a:r>
+                        <a:rPr lang="es-ES" dirty="0"/>
+                        <a:t>)</a:t>
+                      </a:r>
+                    </a:p>
+                  </a:txBody>
+                  <a:tcPr/>
+                </a:tc>
+                <a:tc>
+                  <a:txBody>
+                    <a:bodyPr/>
+                    <a:lstStyle/>
+                    <a:p>
+                      <a:r>
+                        <a:rPr lang="es-ES" dirty="0"/>
+                        <a:t>Crea un socket y lo conecta al puerto y dirección IP especificados.</a:t>
+                      </a:r>
+                    </a:p>
+                  </a:txBody>
+                  <a:tcPr/>
+                </a:tc>
+                <a:extLst>
+                  <a:ext uri="{0D108BD9-81ED-4DB2-BD59-A6C34878D82A}">
+                    <a16:rowId xmlns:a16="http://schemas.microsoft.com/office/drawing/2014/main" val="4133161474"/>
+                  </a:ext>
+                </a:extLst>
+              </a:tr>
+              <a:tr h="0">
+                <a:tc>
+                  <a:txBody>
+                    <a:bodyPr/>
+                    <a:lstStyle/>
+                    <a:p>
+                      <a:r>
+                        <a:rPr lang="es-ES" dirty="0"/>
+                        <a:t>Socket (</a:t>
+                      </a:r>
+                      <a:r>
+                        <a:rPr lang="es-ES" dirty="0" err="1"/>
+                        <a:t>String</a:t>
+                      </a:r>
+                      <a:r>
+                        <a:rPr lang="es-ES" dirty="0"/>
+                        <a:t> host, </a:t>
+                      </a:r>
+                      <a:r>
+                        <a:rPr lang="es-ES" dirty="0" err="1"/>
+                        <a:t>int</a:t>
+                      </a:r>
+                      <a:r>
+                        <a:rPr lang="es-ES" dirty="0"/>
+                        <a:t> </a:t>
+                      </a:r>
+                      <a:r>
+                        <a:rPr lang="es-ES" dirty="0" err="1"/>
+                        <a:t>port</a:t>
+                      </a:r>
+                      <a:r>
+                        <a:rPr lang="es-ES" dirty="0"/>
+                        <a:t>)</a:t>
+                      </a:r>
+                    </a:p>
+                  </a:txBody>
+                  <a:tcPr/>
+                </a:tc>
+                <a:tc>
+                  <a:txBody>
+                    <a:bodyPr/>
+                    <a:lstStyle/>
+                    <a:p>
+                      <a:pPr marL="0" marR="0" lvl="0" indent="0" algn="l" defTabSz="914400" rtl="0" eaLnBrk="1" fontAlgn="auto" latinLnBrk="0" hangingPunct="1">
+                        <a:lnSpc>
+                          <a:spcPct val="100000"/>
+                        </a:lnSpc>
+                        <a:spcBef>
+                          <a:spcPts val="0"/>
+                        </a:spcBef>
+                        <a:spcAft>
+                          <a:spcPts val="0"/>
+                        </a:spcAft>
+                        <a:buClrTx/>
+                        <a:buSzTx/>
+                        <a:buFontTx/>
+                        <a:buNone/>
+                        <a:tabLst/>
+                        <a:defRPr/>
+                      </a:pPr>
+                      <a:r>
+                        <a:rPr lang="es-ES" dirty="0"/>
+                        <a:t>Crea un socket y lo conecta al puerto y nombre del host especificado.</a:t>
+                      </a:r>
+                    </a:p>
+                  </a:txBody>
+                  <a:tcPr/>
+                </a:tc>
+                <a:extLst>
+                  <a:ext uri="{0D108BD9-81ED-4DB2-BD59-A6C34878D82A}">
+                    <a16:rowId xmlns:a16="http://schemas.microsoft.com/office/drawing/2014/main" val="1528253516"/>
+                  </a:ext>
+                </a:extLst>
+              </a:tr>
+              <a:tr h="370840">
+                <a:tc>
+                  <a:txBody>
+                    <a:bodyPr/>
+                    <a:lstStyle/>
+                    <a:p>
+                      <a:pPr marL="0" algn="l" defTabSz="914400" rtl="0" eaLnBrk="1" latinLnBrk="0" hangingPunct="1"/>
+                      <a:r>
+                        <a:rPr lang="es-ES" sz="1800" b="1" kern="1200" dirty="0">
+                          <a:solidFill>
+                            <a:schemeClr val="lt1"/>
+                          </a:solidFill>
+                          <a:latin typeface="+mn-lt"/>
+                          <a:ea typeface="+mn-ea"/>
+                          <a:cs typeface="+mn-cs"/>
+                        </a:rPr>
+                        <a:t>MÉTODOS</a:t>
+                      </a:r>
+                    </a:p>
+                  </a:txBody>
+                  <a:tcPr>
+                    <a:solidFill>
+                      <a:srgbClr val="92D050"/>
+                    </a:solidFill>
+                  </a:tcPr>
+                </a:tc>
+                <a:tc>
+                  <a:txBody>
+                    <a:bodyPr/>
+                    <a:lstStyle/>
+                    <a:p>
+                      <a:pPr marL="0" algn="l" defTabSz="914400" rtl="0" eaLnBrk="1" latinLnBrk="0" hangingPunct="1"/>
+                      <a:r>
+                        <a:rPr lang="es-ES" sz="1800" b="1" kern="1200" dirty="0">
+                          <a:solidFill>
+                            <a:schemeClr val="lt1"/>
+                          </a:solidFill>
+                          <a:latin typeface="+mn-lt"/>
+                          <a:ea typeface="+mn-ea"/>
+                          <a:cs typeface="+mn-cs"/>
+                        </a:rPr>
+                        <a:t>FUNCIÓN</a:t>
+                      </a:r>
+                    </a:p>
+                  </a:txBody>
+                  <a:tcPr>
+                    <a:solidFill>
+                      <a:srgbClr val="92D050"/>
+                    </a:solidFill>
+                  </a:tcPr>
+                </a:tc>
+                <a:extLst>
+                  <a:ext uri="{0D108BD9-81ED-4DB2-BD59-A6C34878D82A}">
+                    <a16:rowId xmlns:a16="http://schemas.microsoft.com/office/drawing/2014/main" val="1789793442"/>
+                  </a:ext>
+                </a:extLst>
+              </a:tr>
+              <a:tr h="370840">
+                <a:tc>
+                  <a:txBody>
+                    <a:bodyPr/>
+                    <a:lstStyle/>
+                    <a:p>
+                      <a:r>
+                        <a:rPr lang="es-ES" dirty="0" err="1"/>
+                        <a:t>InputStream</a:t>
+                      </a:r>
+                      <a:r>
+                        <a:rPr lang="es-ES" dirty="0"/>
+                        <a:t> </a:t>
+                      </a:r>
+                      <a:r>
+                        <a:rPr lang="es-ES" dirty="0" err="1"/>
+                        <a:t>getlnputStream</a:t>
+                      </a:r>
+                      <a:r>
+                        <a:rPr lang="es-ES" dirty="0"/>
+                        <a:t> ()</a:t>
+                      </a:r>
+                    </a:p>
+                  </a:txBody>
+                  <a:tcPr/>
+                </a:tc>
+                <a:tc>
+                  <a:txBody>
+                    <a:bodyPr/>
+                    <a:lstStyle/>
+                    <a:p>
+                      <a:r>
+                        <a:rPr lang="es-ES" dirty="0"/>
+                        <a:t>Permite leer bytes desde el socket.</a:t>
+                      </a:r>
+                    </a:p>
+                  </a:txBody>
+                  <a:tcPr/>
+                </a:tc>
+                <a:extLst>
+                  <a:ext uri="{0D108BD9-81ED-4DB2-BD59-A6C34878D82A}">
+                    <a16:rowId xmlns:a16="http://schemas.microsoft.com/office/drawing/2014/main" val="3694460809"/>
+                  </a:ext>
+                </a:extLst>
+              </a:tr>
+              <a:tr h="370840">
+                <a:tc>
+                  <a:txBody>
+                    <a:bodyPr/>
+                    <a:lstStyle/>
+                    <a:p>
+                      <a:r>
+                        <a:rPr lang="es-ES" dirty="0" err="1"/>
+                        <a:t>OutputStream</a:t>
+                      </a:r>
+                      <a:r>
+                        <a:rPr lang="es-ES" dirty="0"/>
+                        <a:t> </a:t>
+                      </a:r>
+                      <a:r>
+                        <a:rPr lang="es-ES" dirty="0" err="1"/>
+                        <a:t>getOutputStream</a:t>
+                      </a:r>
+                      <a:r>
+                        <a:rPr lang="es-ES" dirty="0"/>
+                        <a:t> ()</a:t>
+                      </a:r>
+                    </a:p>
+                  </a:txBody>
+                  <a:tcPr/>
+                </a:tc>
+                <a:tc>
+                  <a:txBody>
+                    <a:bodyPr/>
+                    <a:lstStyle/>
+                    <a:p>
+                      <a:r>
+                        <a:rPr lang="es-ES" dirty="0"/>
+                        <a:t>Permite escribir desde el socket.</a:t>
+                      </a:r>
+                    </a:p>
+                  </a:txBody>
+                  <a:tcPr/>
+                </a:tc>
+                <a:extLst>
+                  <a:ext uri="{0D108BD9-81ED-4DB2-BD59-A6C34878D82A}">
+                    <a16:rowId xmlns:a16="http://schemas.microsoft.com/office/drawing/2014/main" val="1336676156"/>
+                  </a:ext>
+                </a:extLst>
+              </a:tr>
+              <a:tr h="370840">
+                <a:tc>
+                  <a:txBody>
+                    <a:bodyPr/>
+                    <a:lstStyle/>
+                    <a:p>
+                      <a:r>
+                        <a:rPr lang="es-ES" dirty="0" err="1"/>
+                        <a:t>InetAddress</a:t>
+                      </a:r>
+                      <a:r>
+                        <a:rPr lang="es-ES" dirty="0"/>
+                        <a:t> </a:t>
+                      </a:r>
+                      <a:r>
+                        <a:rPr lang="es-ES" dirty="0" err="1"/>
+                        <a:t>getlnetAddress</a:t>
+                      </a:r>
+                      <a:r>
+                        <a:rPr lang="es-ES" dirty="0"/>
+                        <a:t> ()</a:t>
+                      </a:r>
+                    </a:p>
+                  </a:txBody>
+                  <a:tcPr/>
+                </a:tc>
+                <a:tc>
+                  <a:txBody>
+                    <a:bodyPr/>
+                    <a:lstStyle/>
+                    <a:p>
+                      <a:r>
+                        <a:rPr lang="es-ES" dirty="0"/>
+                        <a:t>Devuelve la IP a la que el socket está conectado. Si no lo está devuelve </a:t>
+                      </a:r>
+                      <a:r>
+                        <a:rPr lang="es-ES" dirty="0" err="1"/>
+                        <a:t>null</a:t>
+                      </a:r>
+                      <a:r>
+                        <a:rPr lang="es-ES" dirty="0"/>
+                        <a:t>.</a:t>
+                      </a:r>
+                    </a:p>
+                  </a:txBody>
+                  <a:tcPr/>
+                </a:tc>
+                <a:extLst>
+                  <a:ext uri="{0D108BD9-81ED-4DB2-BD59-A6C34878D82A}">
+                    <a16:rowId xmlns:a16="http://schemas.microsoft.com/office/drawing/2014/main" val="2883948519"/>
+                  </a:ext>
+                </a:extLst>
+              </a:tr>
+              <a:tr h="370840">
+                <a:tc>
+                  <a:txBody>
+                    <a:bodyPr/>
+                    <a:lstStyle/>
+                    <a:p>
+                      <a:r>
+                        <a:rPr lang="es-ES" dirty="0" err="1"/>
+                        <a:t>int</a:t>
+                      </a:r>
+                      <a:r>
+                        <a:rPr lang="es-ES" dirty="0"/>
+                        <a:t> </a:t>
+                      </a:r>
+                      <a:r>
+                        <a:rPr lang="es-ES" dirty="0" err="1"/>
+                        <a:t>getLocalPort</a:t>
+                      </a:r>
+                      <a:r>
+                        <a:rPr lang="es-ES" dirty="0"/>
+                        <a:t> ()</a:t>
+                      </a:r>
+                    </a:p>
+                  </a:txBody>
+                  <a:tcPr/>
+                </a:tc>
+                <a:tc>
+                  <a:txBody>
+                    <a:bodyPr/>
+                    <a:lstStyle/>
+                    <a:p>
+                      <a:r>
+                        <a:rPr lang="es-ES" dirty="0"/>
+                        <a:t>Devuelve el puerto local al que está enlazado el socket, -1 si no está</a:t>
+                      </a:r>
+                    </a:p>
+                    <a:p>
+                      <a:r>
+                        <a:rPr lang="es-ES" dirty="0"/>
+                        <a:t>enlazado a ningún puerto</a:t>
+                      </a:r>
+                    </a:p>
+                  </a:txBody>
+                  <a:tcPr/>
+                </a:tc>
+                <a:extLst>
+                  <a:ext uri="{0D108BD9-81ED-4DB2-BD59-A6C34878D82A}">
+                    <a16:rowId xmlns:a16="http://schemas.microsoft.com/office/drawing/2014/main" val="2781176315"/>
+                  </a:ext>
+                </a:extLst>
+              </a:tr>
+              <a:tr h="370840">
+                <a:tc>
+                  <a:txBody>
+                    <a:bodyPr/>
+                    <a:lstStyle/>
+                    <a:p>
+                      <a:r>
+                        <a:rPr lang="es-ES" dirty="0"/>
+                        <a:t>Int </a:t>
+                      </a:r>
+                      <a:r>
+                        <a:rPr lang="es-ES" dirty="0" err="1"/>
+                        <a:t>getPort</a:t>
+                      </a:r>
+                      <a:r>
+                        <a:rPr lang="es-ES" dirty="0"/>
+                        <a:t>()</a:t>
+                      </a:r>
+                    </a:p>
+                  </a:txBody>
+                  <a:tcPr/>
+                </a:tc>
+                <a:tc>
+                  <a:txBody>
+                    <a:bodyPr/>
+                    <a:lstStyle/>
+                    <a:p>
+                      <a:r>
+                        <a:rPr lang="es-ES" dirty="0"/>
+                        <a:t>Devuelve el puerto remoto al que está conectado el socket, 0 si no está</a:t>
+                      </a:r>
+                    </a:p>
+                    <a:p>
+                      <a:r>
+                        <a:rPr lang="es-ES" dirty="0"/>
+                        <a:t>conectado a ningún puerto</a:t>
+                      </a:r>
+                    </a:p>
+                  </a:txBody>
+                  <a:tcPr/>
+                </a:tc>
+                <a:extLst>
+                  <a:ext uri="{0D108BD9-81ED-4DB2-BD59-A6C34878D82A}">
+                    <a16:rowId xmlns:a16="http://schemas.microsoft.com/office/drawing/2014/main" val="674959260"/>
+                  </a:ext>
+                </a:extLst>
+              </a:tr>
+              <a:tr h="370840">
+                <a:tc>
+                  <a:txBody>
+                    <a:bodyPr/>
+                    <a:lstStyle/>
+                    <a:p>
+                      <a:r>
+                        <a:rPr lang="es-ES" dirty="0" err="1"/>
+                        <a:t>close</a:t>
+                      </a:r>
+                      <a:r>
+                        <a:rPr lang="es-ES" dirty="0"/>
+                        <a:t> ()</a:t>
+                      </a:r>
+                    </a:p>
+                  </a:txBody>
+                  <a:tcPr/>
+                </a:tc>
+                <a:tc>
+                  <a:txBody>
+                    <a:bodyPr/>
+                    <a:lstStyle/>
+                    <a:p>
+                      <a:r>
+                        <a:rPr lang="es-ES" dirty="0"/>
+                        <a:t>Cierra el socket.</a:t>
+                      </a:r>
+                    </a:p>
+                  </a:txBody>
+                  <a:tcPr/>
+                </a:tc>
+                <a:extLst>
+                  <a:ext uri="{0D108BD9-81ED-4DB2-BD59-A6C34878D82A}">
+                    <a16:rowId xmlns:a16="http://schemas.microsoft.com/office/drawing/2014/main" val="646051070"/>
+                  </a:ext>
+                </a:extLst>
+              </a:tr>
+            </a:tbl>
+          </a:graphicData>
+        </a:graphic>
+      </p:graphicFrame>
+    </p:spTree>
+    <p:extLst>
+      <p:ext uri="{BB962C8B-B14F-4D97-AF65-F5344CB8AC3E}">
+        <p14:creationId xmlns:p14="http://schemas.microsoft.com/office/powerpoint/2010/main" val="471305361"/>
       </p:ext>
     </p:extLst>
   </p:cSld>
@@ -13383,6 +15052,797 @@
     <p:extLst>
       <p:ext uri="{BB962C8B-B14F-4D97-AF65-F5344CB8AC3E}">
         <p14:creationId xmlns:p14="http://schemas.microsoft.com/office/powerpoint/2010/main" val="216302130"/>
+      </p:ext>
+    </p:extLst>
+  </p:cSld>
+  <p:clrMapOvr>
+    <a:masterClrMapping/>
+  </p:clrMapOvr>
+</p:sld>
+</file>
+
+<file path=ppt/slides/slide20.xml><?xml version="1.0" encoding="utf-8"?>
+<p:sld xmlns:a="http://schemas.openxmlformats.org/drawingml/2006/main" xmlns:r="http://schemas.openxmlformats.org/officeDocument/2006/relationships" xmlns:p="http://schemas.openxmlformats.org/presentationml/2006/main">
+  <p:cSld>
+    <p:spTree>
+      <p:nvGrpSpPr>
+        <p:cNvPr id="1" name=""/>
+        <p:cNvGrpSpPr/>
+        <p:nvPr/>
+      </p:nvGrpSpPr>
+      <p:grpSpPr>
+        <a:xfrm>
+          <a:off x="0" y="0"/>
+          <a:ext cx="0" cy="0"/>
+          <a:chOff x="0" y="0"/>
+          <a:chExt cx="0" cy="0"/>
+        </a:xfrm>
+      </p:grpSpPr>
+      <p:sp>
+        <p:nvSpPr>
+          <p:cNvPr id="2" name="Título 1">
+            <a:extLst>
+              <a:ext uri="{FF2B5EF4-FFF2-40B4-BE49-F238E27FC236}">
+                <a16:creationId xmlns:a16="http://schemas.microsoft.com/office/drawing/2014/main" id="{3AC93C13-B1F0-0938-CA7B-6687000C08CB}"/>
+              </a:ext>
+            </a:extLst>
+          </p:cNvPr>
+          <p:cNvSpPr>
+            <a:spLocks noGrp="1"/>
+          </p:cNvSpPr>
+          <p:nvPr>
+            <p:ph type="title"/>
+          </p:nvPr>
+        </p:nvSpPr>
+        <p:spPr/>
+        <p:txBody>
+          <a:bodyPr/>
+          <a:lstStyle/>
+          <a:p>
+            <a:r>
+              <a:rPr lang="es-ES" dirty="0"/>
+              <a:t>Ejemplo cliente</a:t>
+            </a:r>
+          </a:p>
+        </p:txBody>
+      </p:sp>
+      <p:pic>
+        <p:nvPicPr>
+          <p:cNvPr id="9" name="Marcador de contenido 8">
+            <a:extLst>
+              <a:ext uri="{FF2B5EF4-FFF2-40B4-BE49-F238E27FC236}">
+                <a16:creationId xmlns:a16="http://schemas.microsoft.com/office/drawing/2014/main" id="{7688796D-B686-3744-A9E2-F19CBE6B214C}"/>
+              </a:ext>
+            </a:extLst>
+          </p:cNvPr>
+          <p:cNvPicPr>
+            <a:picLocks noGrp="1" noChangeAspect="1"/>
+          </p:cNvPicPr>
+          <p:nvPr>
+            <p:ph idx="1"/>
+          </p:nvPr>
+        </p:nvPicPr>
+        <p:blipFill>
+          <a:blip r:embed="rId2"/>
+          <a:stretch>
+            <a:fillRect/>
+          </a:stretch>
+        </p:blipFill>
+        <p:spPr>
+          <a:xfrm>
+            <a:off x="3457965" y="2249488"/>
+            <a:ext cx="5272895" cy="3541712"/>
+          </a:xfrm>
+        </p:spPr>
+      </p:pic>
+    </p:spTree>
+    <p:extLst>
+      <p:ext uri="{BB962C8B-B14F-4D97-AF65-F5344CB8AC3E}">
+        <p14:creationId xmlns:p14="http://schemas.microsoft.com/office/powerpoint/2010/main" val="2861970555"/>
+      </p:ext>
+    </p:extLst>
+  </p:cSld>
+  <p:clrMapOvr>
+    <a:masterClrMapping/>
+  </p:clrMapOvr>
+</p:sld>
+</file>
+
+<file path=ppt/slides/slide21.xml><?xml version="1.0" encoding="utf-8"?>
+<p:sld xmlns:a="http://schemas.openxmlformats.org/drawingml/2006/main" xmlns:r="http://schemas.openxmlformats.org/officeDocument/2006/relationships" xmlns:p="http://schemas.openxmlformats.org/presentationml/2006/main">
+  <p:cSld>
+    <p:spTree>
+      <p:nvGrpSpPr>
+        <p:cNvPr id="1" name=""/>
+        <p:cNvGrpSpPr/>
+        <p:nvPr/>
+      </p:nvGrpSpPr>
+      <p:grpSpPr>
+        <a:xfrm>
+          <a:off x="0" y="0"/>
+          <a:ext cx="0" cy="0"/>
+          <a:chOff x="0" y="0"/>
+          <a:chExt cx="0" cy="0"/>
+        </a:xfrm>
+      </p:grpSpPr>
+      <p:sp>
+        <p:nvSpPr>
+          <p:cNvPr id="2" name="Título 1">
+            <a:extLst>
+              <a:ext uri="{FF2B5EF4-FFF2-40B4-BE49-F238E27FC236}">
+                <a16:creationId xmlns:a16="http://schemas.microsoft.com/office/drawing/2014/main" id="{353CE5B2-F77E-379A-C120-EFA642A0AF51}"/>
+              </a:ext>
+            </a:extLst>
+          </p:cNvPr>
+          <p:cNvSpPr>
+            <a:spLocks noGrp="1"/>
+          </p:cNvSpPr>
+          <p:nvPr>
+            <p:ph type="title"/>
+          </p:nvPr>
+        </p:nvSpPr>
+        <p:spPr/>
+        <p:txBody>
+          <a:bodyPr/>
+          <a:lstStyle/>
+          <a:p>
+            <a:r>
+              <a:rPr lang="es-ES" dirty="0"/>
+              <a:t>Si hemos dejado un puerto bloqueado…</a:t>
+            </a:r>
+          </a:p>
+        </p:txBody>
+      </p:sp>
+      <p:sp>
+        <p:nvSpPr>
+          <p:cNvPr id="3" name="Marcador de contenido 2">
+            <a:extLst>
+              <a:ext uri="{FF2B5EF4-FFF2-40B4-BE49-F238E27FC236}">
+                <a16:creationId xmlns:a16="http://schemas.microsoft.com/office/drawing/2014/main" id="{F9006877-90B3-35E7-8DEA-9406E8E1A7F2}"/>
+              </a:ext>
+            </a:extLst>
+          </p:cNvPr>
+          <p:cNvSpPr>
+            <a:spLocks noGrp="1"/>
+          </p:cNvSpPr>
+          <p:nvPr>
+            <p:ph idx="1"/>
+          </p:nvPr>
+        </p:nvSpPr>
+        <p:spPr/>
+        <p:txBody>
+          <a:bodyPr/>
+          <a:lstStyle/>
+          <a:p>
+            <a:r>
+              <a:rPr lang="es-ES" dirty="0"/>
+              <a:t>Opción 1: cerrar y volver a abrir eclipse</a:t>
+            </a:r>
+          </a:p>
+          <a:p>
+            <a:r>
+              <a:rPr lang="es-ES" dirty="0"/>
+              <a:t>Opción 2: En la consola escribimos </a:t>
+            </a:r>
+            <a:r>
+              <a:rPr lang="es-ES" dirty="0">
+                <a:sym typeface="Wingdings" panose="05000000000000000000" pitchFamily="2" charset="2"/>
+              </a:rPr>
+              <a:t> </a:t>
+            </a:r>
+            <a:r>
+              <a:rPr lang="es-ES" dirty="0" err="1">
+                <a:sym typeface="Wingdings" panose="05000000000000000000" pitchFamily="2" charset="2"/>
+              </a:rPr>
+              <a:t>netstat</a:t>
+            </a:r>
+            <a:r>
+              <a:rPr lang="es-ES" dirty="0">
+                <a:sym typeface="Wingdings" panose="05000000000000000000" pitchFamily="2" charset="2"/>
+              </a:rPr>
+              <a:t> -ano | </a:t>
+            </a:r>
+            <a:r>
+              <a:rPr lang="es-ES" dirty="0" err="1">
+                <a:sym typeface="Wingdings" panose="05000000000000000000" pitchFamily="2" charset="2"/>
+              </a:rPr>
+              <a:t>find</a:t>
+            </a:r>
+            <a:r>
+              <a:rPr lang="es-ES" dirty="0">
+                <a:sym typeface="Wingdings" panose="05000000000000000000" pitchFamily="2" charset="2"/>
+              </a:rPr>
+              <a:t> “</a:t>
+            </a:r>
+            <a:r>
+              <a:rPr lang="es-ES" dirty="0" err="1">
+                <a:sym typeface="Wingdings" panose="05000000000000000000" pitchFamily="2" charset="2"/>
+              </a:rPr>
+              <a:t>puertoBloqueado</a:t>
+            </a:r>
+            <a:r>
+              <a:rPr lang="es-ES" dirty="0">
+                <a:sym typeface="Wingdings" panose="05000000000000000000" pitchFamily="2" charset="2"/>
+              </a:rPr>
+              <a:t>“</a:t>
+            </a:r>
+          </a:p>
+          <a:p>
+            <a:r>
+              <a:rPr lang="es-ES" dirty="0" err="1">
+                <a:sym typeface="Wingdings" panose="05000000000000000000" pitchFamily="2" charset="2"/>
+              </a:rPr>
+              <a:t>taskkill</a:t>
+            </a:r>
+            <a:r>
+              <a:rPr lang="es-ES" dirty="0">
+                <a:sym typeface="Wingdings" panose="05000000000000000000" pitchFamily="2" charset="2"/>
+              </a:rPr>
+              <a:t> /F /PID (La PID de nuestro proceso)</a:t>
+            </a:r>
+          </a:p>
+          <a:p>
+            <a:endParaRPr lang="es-ES" dirty="0"/>
+          </a:p>
+        </p:txBody>
+      </p:sp>
+    </p:spTree>
+    <p:extLst>
+      <p:ext uri="{BB962C8B-B14F-4D97-AF65-F5344CB8AC3E}">
+        <p14:creationId xmlns:p14="http://schemas.microsoft.com/office/powerpoint/2010/main" val="2775867995"/>
+      </p:ext>
+    </p:extLst>
+  </p:cSld>
+  <p:clrMapOvr>
+    <a:masterClrMapping/>
+  </p:clrMapOvr>
+</p:sld>
+</file>
+
+<file path=ppt/slides/slide22.xml><?xml version="1.0" encoding="utf-8"?>
+<p:sld xmlns:a="http://schemas.openxmlformats.org/drawingml/2006/main" xmlns:r="http://schemas.openxmlformats.org/officeDocument/2006/relationships" xmlns:p="http://schemas.openxmlformats.org/presentationml/2006/main">
+  <p:cSld>
+    <p:spTree>
+      <p:nvGrpSpPr>
+        <p:cNvPr id="1" name=""/>
+        <p:cNvGrpSpPr/>
+        <p:nvPr/>
+      </p:nvGrpSpPr>
+      <p:grpSpPr>
+        <a:xfrm>
+          <a:off x="0" y="0"/>
+          <a:ext cx="0" cy="0"/>
+          <a:chOff x="0" y="0"/>
+          <a:chExt cx="0" cy="0"/>
+        </a:xfrm>
+      </p:grpSpPr>
+      <p:sp>
+        <p:nvSpPr>
+          <p:cNvPr id="2" name="Título 1">
+            <a:extLst>
+              <a:ext uri="{FF2B5EF4-FFF2-40B4-BE49-F238E27FC236}">
+                <a16:creationId xmlns:a16="http://schemas.microsoft.com/office/drawing/2014/main" id="{26556C3B-838F-F5F4-6754-C94801EDCEF6}"/>
+              </a:ext>
+            </a:extLst>
+          </p:cNvPr>
+          <p:cNvSpPr>
+            <a:spLocks noGrp="1"/>
+          </p:cNvSpPr>
+          <p:nvPr>
+            <p:ph type="title"/>
+          </p:nvPr>
+        </p:nvSpPr>
+        <p:spPr/>
+        <p:txBody>
+          <a:bodyPr/>
+          <a:lstStyle/>
+          <a:p>
+            <a:r>
+              <a:rPr lang="es-ES" dirty="0"/>
+              <a:t>Tareas</a:t>
+            </a:r>
+          </a:p>
+        </p:txBody>
+      </p:sp>
+      <p:sp>
+        <p:nvSpPr>
+          <p:cNvPr id="3" name="Marcador de contenido 2">
+            <a:extLst>
+              <a:ext uri="{FF2B5EF4-FFF2-40B4-BE49-F238E27FC236}">
+                <a16:creationId xmlns:a16="http://schemas.microsoft.com/office/drawing/2014/main" id="{4C0EFE60-BA37-C100-27EF-94045569018F}"/>
+              </a:ext>
+            </a:extLst>
+          </p:cNvPr>
+          <p:cNvSpPr>
+            <a:spLocks noGrp="1"/>
+          </p:cNvSpPr>
+          <p:nvPr>
+            <p:ph idx="1"/>
+          </p:nvPr>
+        </p:nvSpPr>
+        <p:spPr>
+          <a:xfrm>
+            <a:off x="1141412" y="2249486"/>
+            <a:ext cx="9905999" cy="4506914"/>
+          </a:xfrm>
+        </p:spPr>
+        <p:txBody>
+          <a:bodyPr/>
+          <a:lstStyle/>
+          <a:p>
+            <a:r>
+              <a:rPr lang="es-ES" dirty="0"/>
+              <a:t>1. Realiza un programa servidor TCP que acepte dos clientes. Muestra por cada cliente conectado: puerto local, puerto remoto, nombre del host e IP del host.</a:t>
+            </a:r>
+          </a:p>
+          <a:p>
+            <a:r>
+              <a:rPr lang="es-ES" dirty="0"/>
+              <a:t>2. Modifica el programa para entrar con la dirección IP en lugar del nombre del host.</a:t>
+            </a:r>
+          </a:p>
+          <a:p>
+            <a:r>
+              <a:rPr lang="es-ES" dirty="0"/>
+              <a:t>3. Prueba a conectar el cliente.</a:t>
+            </a:r>
+          </a:p>
+          <a:p>
+            <a:r>
+              <a:rPr lang="es-ES" dirty="0"/>
+              <a:t>4. Modifica el programa para que el servidor ejecute los dos clientes al mismo tiempo. Investiga sobre cómo implementar un hilo con lambda. </a:t>
+            </a:r>
+            <a:br>
+              <a:rPr lang="es-ES" dirty="0"/>
+            </a:br>
+            <a:r>
+              <a:rPr lang="es-ES" dirty="0"/>
+              <a:t>NO utilices </a:t>
+            </a:r>
+            <a:r>
+              <a:rPr lang="es-ES" dirty="0" err="1"/>
+              <a:t>chatgpt</a:t>
+            </a:r>
+            <a:r>
+              <a:rPr lang="es-ES" dirty="0"/>
+              <a:t>.</a:t>
+            </a:r>
+          </a:p>
+        </p:txBody>
+      </p:sp>
+    </p:spTree>
+    <p:extLst>
+      <p:ext uri="{BB962C8B-B14F-4D97-AF65-F5344CB8AC3E}">
+        <p14:creationId xmlns:p14="http://schemas.microsoft.com/office/powerpoint/2010/main" val="2919098839"/>
+      </p:ext>
+    </p:extLst>
+  </p:cSld>
+  <p:clrMapOvr>
+    <a:masterClrMapping/>
+  </p:clrMapOvr>
+</p:sld>
+</file>
+
+<file path=ppt/slides/slide23.xml><?xml version="1.0" encoding="utf-8"?>
+<p:sld xmlns:a="http://schemas.openxmlformats.org/drawingml/2006/main" xmlns:r="http://schemas.openxmlformats.org/officeDocument/2006/relationships" xmlns:p="http://schemas.openxmlformats.org/presentationml/2006/main">
+  <p:cSld>
+    <p:bg>
+      <p:bgPr>
+        <a:blipFill>
+          <a:blip r:embed="rId2">
+            <a:duotone>
+              <a:schemeClr val="bg2">
+                <a:shade val="88000"/>
+                <a:hueMod val="106000"/>
+                <a:satMod val="140000"/>
+                <a:lumMod val="54000"/>
+              </a:schemeClr>
+              <a:schemeClr val="bg2">
+                <a:tint val="98000"/>
+                <a:hueMod val="90000"/>
+                <a:satMod val="150000"/>
+                <a:lumMod val="160000"/>
+              </a:schemeClr>
+            </a:duotone>
+          </a:blip>
+          <a:stretch/>
+        </a:blipFill>
+        <a:effectLst/>
+      </p:bgPr>
+    </p:bg>
+    <p:spTree>
+      <p:nvGrpSpPr>
+        <p:cNvPr id="1" name=""/>
+        <p:cNvGrpSpPr/>
+        <p:nvPr/>
+      </p:nvGrpSpPr>
+      <p:grpSpPr>
+        <a:xfrm>
+          <a:off x="0" y="0"/>
+          <a:ext cx="0" cy="0"/>
+          <a:chOff x="0" y="0"/>
+          <a:chExt cx="0" cy="0"/>
+        </a:xfrm>
+      </p:grpSpPr>
+      <p:sp>
+        <p:nvSpPr>
+          <p:cNvPr id="2" name="Título 1">
+            <a:extLst>
+              <a:ext uri="{FF2B5EF4-FFF2-40B4-BE49-F238E27FC236}">
+                <a16:creationId xmlns:a16="http://schemas.microsoft.com/office/drawing/2014/main" id="{D017D877-44D3-6893-604A-CDD2D3F8638F}"/>
+              </a:ext>
+            </a:extLst>
+          </p:cNvPr>
+          <p:cNvSpPr>
+            <a:spLocks noGrp="1"/>
+          </p:cNvSpPr>
+          <p:nvPr>
+            <p:ph type="title"/>
+          </p:nvPr>
+        </p:nvSpPr>
+        <p:spPr>
+          <a:xfrm>
+            <a:off x="1141413" y="618518"/>
+            <a:ext cx="9905998" cy="1478570"/>
+          </a:xfrm>
+        </p:spPr>
+        <p:txBody>
+          <a:bodyPr>
+            <a:normAutofit/>
+          </a:bodyPr>
+          <a:lstStyle/>
+          <a:p>
+            <a:r>
+              <a:rPr lang="es-ES" dirty="0"/>
+              <a:t>Intercambio de mensajes</a:t>
+            </a:r>
+          </a:p>
+        </p:txBody>
+      </p:sp>
+      <p:pic>
+        <p:nvPicPr>
+          <p:cNvPr id="5" name="Imagen 4">
+            <a:extLst>
+              <a:ext uri="{FF2B5EF4-FFF2-40B4-BE49-F238E27FC236}">
+                <a16:creationId xmlns:a16="http://schemas.microsoft.com/office/drawing/2014/main" id="{8AE67D2B-5EB2-84E3-FEC1-FD1B823DE556}"/>
+              </a:ext>
+            </a:extLst>
+          </p:cNvPr>
+          <p:cNvPicPr>
+            <a:picLocks noChangeAspect="1"/>
+          </p:cNvPicPr>
+          <p:nvPr/>
+        </p:nvPicPr>
+        <p:blipFill>
+          <a:blip r:embed="rId3"/>
+          <a:stretch>
+            <a:fillRect/>
+          </a:stretch>
+        </p:blipFill>
+        <p:spPr>
+          <a:xfrm>
+            <a:off x="470851" y="2568696"/>
+            <a:ext cx="4689234" cy="2708032"/>
+          </a:xfrm>
+          <a:prstGeom prst="round2DiagRect">
+            <a:avLst>
+              <a:gd name="adj1" fmla="val 5608"/>
+              <a:gd name="adj2" fmla="val 0"/>
+            </a:avLst>
+          </a:prstGeom>
+          <a:ln w="19050" cap="sq">
+            <a:solidFill>
+              <a:schemeClr val="tx2">
+                <a:lumMod val="60000"/>
+                <a:lumOff val="40000"/>
+                <a:alpha val="60000"/>
+              </a:schemeClr>
+            </a:solidFill>
+            <a:miter lim="800000"/>
+          </a:ln>
+          <a:effectLst>
+            <a:outerShdw blurRad="88900" dist="38100" dir="5400000" algn="t" rotWithShape="0">
+              <a:prstClr val="black">
+                <a:alpha val="40000"/>
+              </a:prstClr>
+            </a:outerShdw>
+          </a:effectLst>
+        </p:spPr>
+      </p:pic>
+      <p:sp>
+        <p:nvSpPr>
+          <p:cNvPr id="3" name="Marcador de contenido 2">
+            <a:extLst>
+              <a:ext uri="{FF2B5EF4-FFF2-40B4-BE49-F238E27FC236}">
+                <a16:creationId xmlns:a16="http://schemas.microsoft.com/office/drawing/2014/main" id="{10D43573-AF28-EFC9-6006-F8B3971C89C1}"/>
+              </a:ext>
+            </a:extLst>
+          </p:cNvPr>
+          <p:cNvSpPr>
+            <a:spLocks noGrp="1"/>
+          </p:cNvSpPr>
+          <p:nvPr>
+            <p:ph idx="1"/>
+          </p:nvPr>
+        </p:nvSpPr>
+        <p:spPr>
+          <a:xfrm>
+            <a:off x="5781040" y="2249486"/>
+            <a:ext cx="5567679" cy="3897313"/>
+          </a:xfrm>
+        </p:spPr>
+        <p:txBody>
+          <a:bodyPr>
+            <a:normAutofit/>
+          </a:bodyPr>
+          <a:lstStyle/>
+          <a:p>
+            <a:pPr algn="just">
+              <a:lnSpc>
+                <a:spcPct val="110000"/>
+              </a:lnSpc>
+            </a:pPr>
+            <a:r>
+              <a:rPr lang="es-ES" sz="2000" dirty="0"/>
+              <a:t>El cliente y el servidor se comunican con manejadores </a:t>
+            </a:r>
+            <a:r>
+              <a:rPr lang="es-ES" sz="2000" dirty="0" err="1"/>
+              <a:t>InputStream</a:t>
+            </a:r>
+            <a:r>
+              <a:rPr lang="es-ES" sz="2000" dirty="0"/>
+              <a:t> y </a:t>
+            </a:r>
+            <a:r>
+              <a:rPr lang="es-ES" sz="2000" dirty="0" err="1"/>
+              <a:t>OutputStream</a:t>
+            </a:r>
+            <a:r>
+              <a:rPr lang="es-ES" sz="2000" dirty="0"/>
+              <a:t>. El cliente escribe los mensajes en el </a:t>
+            </a:r>
+            <a:r>
+              <a:rPr lang="es-ES" sz="2000" dirty="0" err="1"/>
+              <a:t>OutputStream</a:t>
+            </a:r>
+            <a:r>
+              <a:rPr lang="es-ES" sz="2000" dirty="0"/>
+              <a:t> asociado al socket y el servidor leerá los mensajes del cliente del </a:t>
+            </a:r>
+            <a:r>
+              <a:rPr lang="es-ES" sz="2000" dirty="0" err="1"/>
+              <a:t>InputStream</a:t>
+            </a:r>
+            <a:r>
+              <a:rPr lang="es-ES" sz="2000" dirty="0"/>
+              <a:t>. Igualmente, el servidor escribirá los mensajes al </a:t>
+            </a:r>
+            <a:r>
+              <a:rPr lang="es-ES" sz="2000" dirty="0" err="1"/>
+              <a:t>OutputStream</a:t>
+            </a:r>
+            <a:r>
+              <a:rPr lang="es-ES" sz="2000" dirty="0"/>
+              <a:t> y el cliente los leerá del </a:t>
+            </a:r>
+            <a:r>
+              <a:rPr lang="es-ES" sz="2000" dirty="0" err="1"/>
+              <a:t>InputStream</a:t>
+            </a:r>
+            <a:r>
+              <a:rPr lang="es-ES" sz="2000" dirty="0"/>
+              <a:t>.</a:t>
+            </a:r>
+          </a:p>
+        </p:txBody>
+      </p:sp>
+    </p:spTree>
+    <p:extLst>
+      <p:ext uri="{BB962C8B-B14F-4D97-AF65-F5344CB8AC3E}">
+        <p14:creationId xmlns:p14="http://schemas.microsoft.com/office/powerpoint/2010/main" val="1927389180"/>
+      </p:ext>
+    </p:extLst>
+  </p:cSld>
+  <p:clrMapOvr>
+    <a:masterClrMapping/>
+  </p:clrMapOvr>
+</p:sld>
+</file>
+
+<file path=ppt/slides/slide24.xml><?xml version="1.0" encoding="utf-8"?>
+<p:sld xmlns:a="http://schemas.openxmlformats.org/drawingml/2006/main" xmlns:r="http://schemas.openxmlformats.org/officeDocument/2006/relationships" xmlns:p="http://schemas.openxmlformats.org/presentationml/2006/main">
+  <p:cSld>
+    <p:spTree>
+      <p:nvGrpSpPr>
+        <p:cNvPr id="1" name=""/>
+        <p:cNvGrpSpPr/>
+        <p:nvPr/>
+      </p:nvGrpSpPr>
+      <p:grpSpPr>
+        <a:xfrm>
+          <a:off x="0" y="0"/>
+          <a:ext cx="0" cy="0"/>
+          <a:chOff x="0" y="0"/>
+          <a:chExt cx="0" cy="0"/>
+        </a:xfrm>
+      </p:grpSpPr>
+      <p:sp>
+        <p:nvSpPr>
+          <p:cNvPr id="2" name="Título 1">
+            <a:extLst>
+              <a:ext uri="{FF2B5EF4-FFF2-40B4-BE49-F238E27FC236}">
+                <a16:creationId xmlns:a16="http://schemas.microsoft.com/office/drawing/2014/main" id="{C4874154-E8B9-F8E6-2A50-F7DBFB98105C}"/>
+              </a:ext>
+            </a:extLst>
+          </p:cNvPr>
+          <p:cNvSpPr>
+            <a:spLocks noGrp="1"/>
+          </p:cNvSpPr>
+          <p:nvPr>
+            <p:ph type="title"/>
+          </p:nvPr>
+        </p:nvSpPr>
+        <p:spPr>
+          <a:xfrm>
+            <a:off x="1141413" y="618518"/>
+            <a:ext cx="9905998" cy="783562"/>
+          </a:xfrm>
+        </p:spPr>
+        <p:txBody>
+          <a:bodyPr/>
+          <a:lstStyle/>
+          <a:p>
+            <a:r>
+              <a:rPr lang="es-ES" dirty="0"/>
+              <a:t>Apertura de socket</a:t>
+            </a:r>
+          </a:p>
+        </p:txBody>
+      </p:sp>
+      <p:pic>
+        <p:nvPicPr>
+          <p:cNvPr id="5" name="Marcador de contenido 4">
+            <a:extLst>
+              <a:ext uri="{FF2B5EF4-FFF2-40B4-BE49-F238E27FC236}">
+                <a16:creationId xmlns:a16="http://schemas.microsoft.com/office/drawing/2014/main" id="{FBD7D12C-CCC2-9877-0370-F93FA643458B}"/>
+              </a:ext>
+            </a:extLst>
+          </p:cNvPr>
+          <p:cNvPicPr>
+            <a:picLocks noGrp="1" noChangeAspect="1"/>
+          </p:cNvPicPr>
+          <p:nvPr>
+            <p:ph idx="1"/>
+          </p:nvPr>
+        </p:nvPicPr>
+        <p:blipFill>
+          <a:blip r:embed="rId2"/>
+          <a:stretch>
+            <a:fillRect/>
+          </a:stretch>
+        </p:blipFill>
+        <p:spPr>
+          <a:xfrm>
+            <a:off x="1293815" y="1600224"/>
+            <a:ext cx="9906000" cy="2625360"/>
+          </a:xfrm>
+        </p:spPr>
+      </p:pic>
+      <p:pic>
+        <p:nvPicPr>
+          <p:cNvPr id="7" name="Imagen 6">
+            <a:extLst>
+              <a:ext uri="{FF2B5EF4-FFF2-40B4-BE49-F238E27FC236}">
+                <a16:creationId xmlns:a16="http://schemas.microsoft.com/office/drawing/2014/main" id="{6F2FDEBF-DC27-5755-8095-22885A395399}"/>
+              </a:ext>
+            </a:extLst>
+          </p:cNvPr>
+          <p:cNvPicPr>
+            <a:picLocks noChangeAspect="1"/>
+          </p:cNvPicPr>
+          <p:nvPr/>
+        </p:nvPicPr>
+        <p:blipFill>
+          <a:blip r:embed="rId3"/>
+          <a:stretch>
+            <a:fillRect/>
+          </a:stretch>
+        </p:blipFill>
+        <p:spPr>
+          <a:xfrm>
+            <a:off x="1906587" y="4423728"/>
+            <a:ext cx="7362825" cy="2162175"/>
+          </a:xfrm>
+          <a:prstGeom prst="rect">
+            <a:avLst/>
+          </a:prstGeom>
+        </p:spPr>
+      </p:pic>
+    </p:spTree>
+    <p:extLst>
+      <p:ext uri="{BB962C8B-B14F-4D97-AF65-F5344CB8AC3E}">
+        <p14:creationId xmlns:p14="http://schemas.microsoft.com/office/powerpoint/2010/main" val="281033382"/>
+      </p:ext>
+    </p:extLst>
+  </p:cSld>
+  <p:clrMapOvr>
+    <a:masterClrMapping/>
+  </p:clrMapOvr>
+</p:sld>
+</file>
+
+<file path=ppt/slides/slide25.xml><?xml version="1.0" encoding="utf-8"?>
+<p:sld xmlns:a="http://schemas.openxmlformats.org/drawingml/2006/main" xmlns:r="http://schemas.openxmlformats.org/officeDocument/2006/relationships" xmlns:p="http://schemas.openxmlformats.org/presentationml/2006/main">
+  <p:cSld>
+    <p:spTree>
+      <p:nvGrpSpPr>
+        <p:cNvPr id="1" name=""/>
+        <p:cNvGrpSpPr/>
+        <p:nvPr/>
+      </p:nvGrpSpPr>
+      <p:grpSpPr>
+        <a:xfrm>
+          <a:off x="0" y="0"/>
+          <a:ext cx="0" cy="0"/>
+          <a:chOff x="0" y="0"/>
+          <a:chExt cx="0" cy="0"/>
+        </a:xfrm>
+      </p:grpSpPr>
+      <p:sp>
+        <p:nvSpPr>
+          <p:cNvPr id="2" name="Título 1">
+            <a:extLst>
+              <a:ext uri="{FF2B5EF4-FFF2-40B4-BE49-F238E27FC236}">
+                <a16:creationId xmlns:a16="http://schemas.microsoft.com/office/drawing/2014/main" id="{0B515488-8D26-82D0-F14A-9BD71864F88D}"/>
+              </a:ext>
+            </a:extLst>
+          </p:cNvPr>
+          <p:cNvSpPr>
+            <a:spLocks noGrp="1"/>
+          </p:cNvSpPr>
+          <p:nvPr>
+            <p:ph type="title"/>
+          </p:nvPr>
+        </p:nvSpPr>
+        <p:spPr/>
+        <p:txBody>
+          <a:bodyPr/>
+          <a:lstStyle/>
+          <a:p>
+            <a:endParaRPr lang="es-ES"/>
+          </a:p>
+        </p:txBody>
+      </p:sp>
+      <p:sp>
+        <p:nvSpPr>
+          <p:cNvPr id="3" name="Marcador de contenido 2">
+            <a:extLst>
+              <a:ext uri="{FF2B5EF4-FFF2-40B4-BE49-F238E27FC236}">
+                <a16:creationId xmlns:a16="http://schemas.microsoft.com/office/drawing/2014/main" id="{30BB0CAD-DE3B-521F-0A35-6E93357CCBD5}"/>
+              </a:ext>
+            </a:extLst>
+          </p:cNvPr>
+          <p:cNvSpPr>
+            <a:spLocks noGrp="1"/>
+          </p:cNvSpPr>
+          <p:nvPr>
+            <p:ph idx="1"/>
+          </p:nvPr>
+        </p:nvSpPr>
+        <p:spPr/>
+        <p:txBody>
+          <a:bodyPr/>
+          <a:lstStyle/>
+          <a:p>
+            <a:endParaRPr lang="es-ES"/>
+          </a:p>
+        </p:txBody>
+      </p:sp>
+    </p:spTree>
+    <p:extLst>
+      <p:ext uri="{BB962C8B-B14F-4D97-AF65-F5344CB8AC3E}">
+        <p14:creationId xmlns:p14="http://schemas.microsoft.com/office/powerpoint/2010/main" val="700636453"/>
       </p:ext>
     </p:extLst>
   </p:cSld>
